--- a/docs/images/glycosidic_linkage_cellobiose.pptx
+++ b/docs/images/glycosidic_linkage_cellobiose.pptx
@@ -129,7 +129,7 @@
           <p:cNvPr id="2" name="Title 1">
             <a:extLst>
               <a:ext uri="{FF2B5EF4-FFF2-40B4-BE49-F238E27FC236}">
-                <a16:creationId xmlns:a16="http://schemas.microsoft.com/office/drawing/2014/main" id="{C2998CE9-162A-4297-904F-A79A20BCC7AD}"/>
+                <a16:creationId xmlns:a16="http://schemas.microsoft.com/office/drawing/2014/main" xmlns="" id="{C2998CE9-162A-4297-904F-A79A20BCC7AD}"/>
               </a:ext>
             </a:extLst>
           </p:cNvPr>
@@ -167,7 +167,7 @@
           <p:cNvPr id="3" name="Subtitle 2">
             <a:extLst>
               <a:ext uri="{FF2B5EF4-FFF2-40B4-BE49-F238E27FC236}">
-                <a16:creationId xmlns:a16="http://schemas.microsoft.com/office/drawing/2014/main" id="{348A88A9-668D-4155-8353-34A53CAFCC33}"/>
+                <a16:creationId xmlns:a16="http://schemas.microsoft.com/office/drawing/2014/main" xmlns="" id="{348A88A9-668D-4155-8353-34A53CAFCC33}"/>
               </a:ext>
             </a:extLst>
           </p:cNvPr>
@@ -238,7 +238,7 @@
           <p:cNvPr id="4" name="Date Placeholder 3">
             <a:extLst>
               <a:ext uri="{FF2B5EF4-FFF2-40B4-BE49-F238E27FC236}">
-                <a16:creationId xmlns:a16="http://schemas.microsoft.com/office/drawing/2014/main" id="{E27FBF9F-478D-44AF-A76A-963E0BD101DF}"/>
+                <a16:creationId xmlns:a16="http://schemas.microsoft.com/office/drawing/2014/main" xmlns="" id="{E27FBF9F-478D-44AF-A76A-963E0BD101DF}"/>
               </a:ext>
             </a:extLst>
           </p:cNvPr>
@@ -256,7 +256,7 @@
           <a:p>
             <a:fld id="{0311B735-E2A3-470A-9A4D-770102782056}" type="datetimeFigureOut">
               <a:rPr lang="en-GB" smtClean="0"/>
-              <a:t>28/08/2018</a:t>
+              <a:t>29/08/18</a:t>
             </a:fld>
             <a:endParaRPr lang="en-GB"/>
           </a:p>
@@ -267,7 +267,7 @@
           <p:cNvPr id="5" name="Footer Placeholder 4">
             <a:extLst>
               <a:ext uri="{FF2B5EF4-FFF2-40B4-BE49-F238E27FC236}">
-                <a16:creationId xmlns:a16="http://schemas.microsoft.com/office/drawing/2014/main" id="{F0C21179-AA36-45DF-9D7B-E944CF4F78A8}"/>
+                <a16:creationId xmlns:a16="http://schemas.microsoft.com/office/drawing/2014/main" xmlns="" id="{F0C21179-AA36-45DF-9D7B-E944CF4F78A8}"/>
               </a:ext>
             </a:extLst>
           </p:cNvPr>
@@ -292,7 +292,7 @@
           <p:cNvPr id="6" name="Slide Number Placeholder 5">
             <a:extLst>
               <a:ext uri="{FF2B5EF4-FFF2-40B4-BE49-F238E27FC236}">
-                <a16:creationId xmlns:a16="http://schemas.microsoft.com/office/drawing/2014/main" id="{32A193A9-9951-4D1A-90B1-8051F2E3CA3C}"/>
+                <a16:creationId xmlns:a16="http://schemas.microsoft.com/office/drawing/2014/main" xmlns="" id="{32A193A9-9951-4D1A-90B1-8051F2E3CA3C}"/>
               </a:ext>
             </a:extLst>
           </p:cNvPr>
@@ -351,7 +351,7 @@
           <p:cNvPr id="2" name="Title 1">
             <a:extLst>
               <a:ext uri="{FF2B5EF4-FFF2-40B4-BE49-F238E27FC236}">
-                <a16:creationId xmlns:a16="http://schemas.microsoft.com/office/drawing/2014/main" id="{5AC6657C-F2C5-46EF-8BE2-DE98D981CFE0}"/>
+                <a16:creationId xmlns:a16="http://schemas.microsoft.com/office/drawing/2014/main" xmlns="" id="{5AC6657C-F2C5-46EF-8BE2-DE98D981CFE0}"/>
               </a:ext>
             </a:extLst>
           </p:cNvPr>
@@ -380,7 +380,7 @@
           <p:cNvPr id="3" name="Vertical Text Placeholder 2">
             <a:extLst>
               <a:ext uri="{FF2B5EF4-FFF2-40B4-BE49-F238E27FC236}">
-                <a16:creationId xmlns:a16="http://schemas.microsoft.com/office/drawing/2014/main" id="{D66C526B-AF90-4AAF-B1A2-2AFC4E833259}"/>
+                <a16:creationId xmlns:a16="http://schemas.microsoft.com/office/drawing/2014/main" xmlns="" id="{D66C526B-AF90-4AAF-B1A2-2AFC4E833259}"/>
               </a:ext>
             </a:extLst>
           </p:cNvPr>
@@ -438,7 +438,7 @@
           <p:cNvPr id="4" name="Date Placeholder 3">
             <a:extLst>
               <a:ext uri="{FF2B5EF4-FFF2-40B4-BE49-F238E27FC236}">
-                <a16:creationId xmlns:a16="http://schemas.microsoft.com/office/drawing/2014/main" id="{8CB9C230-B4C3-44DE-AB37-787EF819866E}"/>
+                <a16:creationId xmlns:a16="http://schemas.microsoft.com/office/drawing/2014/main" xmlns="" id="{8CB9C230-B4C3-44DE-AB37-787EF819866E}"/>
               </a:ext>
             </a:extLst>
           </p:cNvPr>
@@ -456,7 +456,7 @@
           <a:p>
             <a:fld id="{0311B735-E2A3-470A-9A4D-770102782056}" type="datetimeFigureOut">
               <a:rPr lang="en-GB" smtClean="0"/>
-              <a:t>28/08/2018</a:t>
+              <a:t>29/08/18</a:t>
             </a:fld>
             <a:endParaRPr lang="en-GB"/>
           </a:p>
@@ -467,7 +467,7 @@
           <p:cNvPr id="5" name="Footer Placeholder 4">
             <a:extLst>
               <a:ext uri="{FF2B5EF4-FFF2-40B4-BE49-F238E27FC236}">
-                <a16:creationId xmlns:a16="http://schemas.microsoft.com/office/drawing/2014/main" id="{E758494D-59FD-4685-81BF-4DAC3ADC5794}"/>
+                <a16:creationId xmlns:a16="http://schemas.microsoft.com/office/drawing/2014/main" xmlns="" id="{E758494D-59FD-4685-81BF-4DAC3ADC5794}"/>
               </a:ext>
             </a:extLst>
           </p:cNvPr>
@@ -492,7 +492,7 @@
           <p:cNvPr id="6" name="Slide Number Placeholder 5">
             <a:extLst>
               <a:ext uri="{FF2B5EF4-FFF2-40B4-BE49-F238E27FC236}">
-                <a16:creationId xmlns:a16="http://schemas.microsoft.com/office/drawing/2014/main" id="{91AA4543-7CA4-4C52-9618-AECFDF87E032}"/>
+                <a16:creationId xmlns:a16="http://schemas.microsoft.com/office/drawing/2014/main" xmlns="" id="{91AA4543-7CA4-4C52-9618-AECFDF87E032}"/>
               </a:ext>
             </a:extLst>
           </p:cNvPr>
@@ -551,7 +551,7 @@
           <p:cNvPr id="2" name="Vertical Title 1">
             <a:extLst>
               <a:ext uri="{FF2B5EF4-FFF2-40B4-BE49-F238E27FC236}">
-                <a16:creationId xmlns:a16="http://schemas.microsoft.com/office/drawing/2014/main" id="{DA4C74E3-7A25-4EE2-80FB-48174155685D}"/>
+                <a16:creationId xmlns:a16="http://schemas.microsoft.com/office/drawing/2014/main" xmlns="" id="{DA4C74E3-7A25-4EE2-80FB-48174155685D}"/>
               </a:ext>
             </a:extLst>
           </p:cNvPr>
@@ -585,7 +585,7 @@
           <p:cNvPr id="3" name="Vertical Text Placeholder 2">
             <a:extLst>
               <a:ext uri="{FF2B5EF4-FFF2-40B4-BE49-F238E27FC236}">
-                <a16:creationId xmlns:a16="http://schemas.microsoft.com/office/drawing/2014/main" id="{11D55D91-F916-4609-8336-E3480E3CB36F}"/>
+                <a16:creationId xmlns:a16="http://schemas.microsoft.com/office/drawing/2014/main" xmlns="" id="{11D55D91-F916-4609-8336-E3480E3CB36F}"/>
               </a:ext>
             </a:extLst>
           </p:cNvPr>
@@ -648,7 +648,7 @@
           <p:cNvPr id="4" name="Date Placeholder 3">
             <a:extLst>
               <a:ext uri="{FF2B5EF4-FFF2-40B4-BE49-F238E27FC236}">
-                <a16:creationId xmlns:a16="http://schemas.microsoft.com/office/drawing/2014/main" id="{CAACCF7D-8436-4D05-9228-8E3D8CD63DEF}"/>
+                <a16:creationId xmlns:a16="http://schemas.microsoft.com/office/drawing/2014/main" xmlns="" id="{CAACCF7D-8436-4D05-9228-8E3D8CD63DEF}"/>
               </a:ext>
             </a:extLst>
           </p:cNvPr>
@@ -666,7 +666,7 @@
           <a:p>
             <a:fld id="{0311B735-E2A3-470A-9A4D-770102782056}" type="datetimeFigureOut">
               <a:rPr lang="en-GB" smtClean="0"/>
-              <a:t>28/08/2018</a:t>
+              <a:t>29/08/18</a:t>
             </a:fld>
             <a:endParaRPr lang="en-GB"/>
           </a:p>
@@ -677,7 +677,7 @@
           <p:cNvPr id="5" name="Footer Placeholder 4">
             <a:extLst>
               <a:ext uri="{FF2B5EF4-FFF2-40B4-BE49-F238E27FC236}">
-                <a16:creationId xmlns:a16="http://schemas.microsoft.com/office/drawing/2014/main" id="{847886C5-731B-4A16-A2EA-037BAA44B109}"/>
+                <a16:creationId xmlns:a16="http://schemas.microsoft.com/office/drawing/2014/main" xmlns="" id="{847886C5-731B-4A16-A2EA-037BAA44B109}"/>
               </a:ext>
             </a:extLst>
           </p:cNvPr>
@@ -702,7 +702,7 @@
           <p:cNvPr id="6" name="Slide Number Placeholder 5">
             <a:extLst>
               <a:ext uri="{FF2B5EF4-FFF2-40B4-BE49-F238E27FC236}">
-                <a16:creationId xmlns:a16="http://schemas.microsoft.com/office/drawing/2014/main" id="{7E6F85F4-06BE-4884-8EF9-D41628CEBE2A}"/>
+                <a16:creationId xmlns:a16="http://schemas.microsoft.com/office/drawing/2014/main" xmlns="" id="{7E6F85F4-06BE-4884-8EF9-D41628CEBE2A}"/>
               </a:ext>
             </a:extLst>
           </p:cNvPr>
@@ -761,7 +761,7 @@
           <p:cNvPr id="2" name="Title 1">
             <a:extLst>
               <a:ext uri="{FF2B5EF4-FFF2-40B4-BE49-F238E27FC236}">
-                <a16:creationId xmlns:a16="http://schemas.microsoft.com/office/drawing/2014/main" id="{C7BF0777-1877-4260-91DC-2C420FD8FA03}"/>
+                <a16:creationId xmlns:a16="http://schemas.microsoft.com/office/drawing/2014/main" xmlns="" id="{C7BF0777-1877-4260-91DC-2C420FD8FA03}"/>
               </a:ext>
             </a:extLst>
           </p:cNvPr>
@@ -790,7 +790,7 @@
           <p:cNvPr id="3" name="Content Placeholder 2">
             <a:extLst>
               <a:ext uri="{FF2B5EF4-FFF2-40B4-BE49-F238E27FC236}">
-                <a16:creationId xmlns:a16="http://schemas.microsoft.com/office/drawing/2014/main" id="{D4A1406A-DBD1-494A-A370-90CC9C9525FA}"/>
+                <a16:creationId xmlns:a16="http://schemas.microsoft.com/office/drawing/2014/main" xmlns="" id="{D4A1406A-DBD1-494A-A370-90CC9C9525FA}"/>
               </a:ext>
             </a:extLst>
           </p:cNvPr>
@@ -848,7 +848,7 @@
           <p:cNvPr id="4" name="Date Placeholder 3">
             <a:extLst>
               <a:ext uri="{FF2B5EF4-FFF2-40B4-BE49-F238E27FC236}">
-                <a16:creationId xmlns:a16="http://schemas.microsoft.com/office/drawing/2014/main" id="{D0EEF674-321B-4207-962A-8C5F4E1FD3EC}"/>
+                <a16:creationId xmlns:a16="http://schemas.microsoft.com/office/drawing/2014/main" xmlns="" id="{D0EEF674-321B-4207-962A-8C5F4E1FD3EC}"/>
               </a:ext>
             </a:extLst>
           </p:cNvPr>
@@ -866,7 +866,7 @@
           <a:p>
             <a:fld id="{0311B735-E2A3-470A-9A4D-770102782056}" type="datetimeFigureOut">
               <a:rPr lang="en-GB" smtClean="0"/>
-              <a:t>28/08/2018</a:t>
+              <a:t>29/08/18</a:t>
             </a:fld>
             <a:endParaRPr lang="en-GB"/>
           </a:p>
@@ -877,7 +877,7 @@
           <p:cNvPr id="5" name="Footer Placeholder 4">
             <a:extLst>
               <a:ext uri="{FF2B5EF4-FFF2-40B4-BE49-F238E27FC236}">
-                <a16:creationId xmlns:a16="http://schemas.microsoft.com/office/drawing/2014/main" id="{6823B002-1BAE-4030-9422-1E24270680E8}"/>
+                <a16:creationId xmlns:a16="http://schemas.microsoft.com/office/drawing/2014/main" xmlns="" id="{6823B002-1BAE-4030-9422-1E24270680E8}"/>
               </a:ext>
             </a:extLst>
           </p:cNvPr>
@@ -902,7 +902,7 @@
           <p:cNvPr id="6" name="Slide Number Placeholder 5">
             <a:extLst>
               <a:ext uri="{FF2B5EF4-FFF2-40B4-BE49-F238E27FC236}">
-                <a16:creationId xmlns:a16="http://schemas.microsoft.com/office/drawing/2014/main" id="{D97D97E5-D393-4E71-A321-DDE15284AE0C}"/>
+                <a16:creationId xmlns:a16="http://schemas.microsoft.com/office/drawing/2014/main" xmlns="" id="{D97D97E5-D393-4E71-A321-DDE15284AE0C}"/>
               </a:ext>
             </a:extLst>
           </p:cNvPr>
@@ -961,7 +961,7 @@
           <p:cNvPr id="2" name="Title 1">
             <a:extLst>
               <a:ext uri="{FF2B5EF4-FFF2-40B4-BE49-F238E27FC236}">
-                <a16:creationId xmlns:a16="http://schemas.microsoft.com/office/drawing/2014/main" id="{A45C6595-EE46-4B86-A7DF-8B54B5BB1090}"/>
+                <a16:creationId xmlns:a16="http://schemas.microsoft.com/office/drawing/2014/main" xmlns="" id="{A45C6595-EE46-4B86-A7DF-8B54B5BB1090}"/>
               </a:ext>
             </a:extLst>
           </p:cNvPr>
@@ -999,7 +999,7 @@
           <p:cNvPr id="3" name="Text Placeholder 2">
             <a:extLst>
               <a:ext uri="{FF2B5EF4-FFF2-40B4-BE49-F238E27FC236}">
-                <a16:creationId xmlns:a16="http://schemas.microsoft.com/office/drawing/2014/main" id="{BDA8031F-2857-4C01-B025-E401717FB6FC}"/>
+                <a16:creationId xmlns:a16="http://schemas.microsoft.com/office/drawing/2014/main" xmlns="" id="{BDA8031F-2857-4C01-B025-E401717FB6FC}"/>
               </a:ext>
             </a:extLst>
           </p:cNvPr>
@@ -1124,7 +1124,7 @@
           <p:cNvPr id="4" name="Date Placeholder 3">
             <a:extLst>
               <a:ext uri="{FF2B5EF4-FFF2-40B4-BE49-F238E27FC236}">
-                <a16:creationId xmlns:a16="http://schemas.microsoft.com/office/drawing/2014/main" id="{08B11195-ED88-4641-AB77-6B5326D33E9D}"/>
+                <a16:creationId xmlns:a16="http://schemas.microsoft.com/office/drawing/2014/main" xmlns="" id="{08B11195-ED88-4641-AB77-6B5326D33E9D}"/>
               </a:ext>
             </a:extLst>
           </p:cNvPr>
@@ -1142,7 +1142,7 @@
           <a:p>
             <a:fld id="{0311B735-E2A3-470A-9A4D-770102782056}" type="datetimeFigureOut">
               <a:rPr lang="en-GB" smtClean="0"/>
-              <a:t>28/08/2018</a:t>
+              <a:t>29/08/18</a:t>
             </a:fld>
             <a:endParaRPr lang="en-GB"/>
           </a:p>
@@ -1153,7 +1153,7 @@
           <p:cNvPr id="5" name="Footer Placeholder 4">
             <a:extLst>
               <a:ext uri="{FF2B5EF4-FFF2-40B4-BE49-F238E27FC236}">
-                <a16:creationId xmlns:a16="http://schemas.microsoft.com/office/drawing/2014/main" id="{23A735FB-47EF-4C1E-B291-5BC3224D2BA4}"/>
+                <a16:creationId xmlns:a16="http://schemas.microsoft.com/office/drawing/2014/main" xmlns="" id="{23A735FB-47EF-4C1E-B291-5BC3224D2BA4}"/>
               </a:ext>
             </a:extLst>
           </p:cNvPr>
@@ -1178,7 +1178,7 @@
           <p:cNvPr id="6" name="Slide Number Placeholder 5">
             <a:extLst>
               <a:ext uri="{FF2B5EF4-FFF2-40B4-BE49-F238E27FC236}">
-                <a16:creationId xmlns:a16="http://schemas.microsoft.com/office/drawing/2014/main" id="{C84C8DD7-9F18-4790-95C4-C5D4E47983BB}"/>
+                <a16:creationId xmlns:a16="http://schemas.microsoft.com/office/drawing/2014/main" xmlns="" id="{C84C8DD7-9F18-4790-95C4-C5D4E47983BB}"/>
               </a:ext>
             </a:extLst>
           </p:cNvPr>
@@ -1237,7 +1237,7 @@
           <p:cNvPr id="2" name="Title 1">
             <a:extLst>
               <a:ext uri="{FF2B5EF4-FFF2-40B4-BE49-F238E27FC236}">
-                <a16:creationId xmlns:a16="http://schemas.microsoft.com/office/drawing/2014/main" id="{5139FAC1-C13A-44A1-993E-93EE2962B7EC}"/>
+                <a16:creationId xmlns:a16="http://schemas.microsoft.com/office/drawing/2014/main" xmlns="" id="{5139FAC1-C13A-44A1-993E-93EE2962B7EC}"/>
               </a:ext>
             </a:extLst>
           </p:cNvPr>
@@ -1266,7 +1266,7 @@
           <p:cNvPr id="3" name="Content Placeholder 2">
             <a:extLst>
               <a:ext uri="{FF2B5EF4-FFF2-40B4-BE49-F238E27FC236}">
-                <a16:creationId xmlns:a16="http://schemas.microsoft.com/office/drawing/2014/main" id="{9EF5A2F2-2900-43B6-801B-10B1FA1CC450}"/>
+                <a16:creationId xmlns:a16="http://schemas.microsoft.com/office/drawing/2014/main" xmlns="" id="{9EF5A2F2-2900-43B6-801B-10B1FA1CC450}"/>
               </a:ext>
             </a:extLst>
           </p:cNvPr>
@@ -1329,7 +1329,7 @@
           <p:cNvPr id="4" name="Content Placeholder 3">
             <a:extLst>
               <a:ext uri="{FF2B5EF4-FFF2-40B4-BE49-F238E27FC236}">
-                <a16:creationId xmlns:a16="http://schemas.microsoft.com/office/drawing/2014/main" id="{97626989-4248-44C1-B990-8F36DFB62676}"/>
+                <a16:creationId xmlns:a16="http://schemas.microsoft.com/office/drawing/2014/main" xmlns="" id="{97626989-4248-44C1-B990-8F36DFB62676}"/>
               </a:ext>
             </a:extLst>
           </p:cNvPr>
@@ -1392,7 +1392,7 @@
           <p:cNvPr id="5" name="Date Placeholder 4">
             <a:extLst>
               <a:ext uri="{FF2B5EF4-FFF2-40B4-BE49-F238E27FC236}">
-                <a16:creationId xmlns:a16="http://schemas.microsoft.com/office/drawing/2014/main" id="{2F6D1EC9-4583-4371-9D56-135F522F61A8}"/>
+                <a16:creationId xmlns:a16="http://schemas.microsoft.com/office/drawing/2014/main" xmlns="" id="{2F6D1EC9-4583-4371-9D56-135F522F61A8}"/>
               </a:ext>
             </a:extLst>
           </p:cNvPr>
@@ -1410,7 +1410,7 @@
           <a:p>
             <a:fld id="{0311B735-E2A3-470A-9A4D-770102782056}" type="datetimeFigureOut">
               <a:rPr lang="en-GB" smtClean="0"/>
-              <a:t>28/08/2018</a:t>
+              <a:t>29/08/18</a:t>
             </a:fld>
             <a:endParaRPr lang="en-GB"/>
           </a:p>
@@ -1421,7 +1421,7 @@
           <p:cNvPr id="6" name="Footer Placeholder 5">
             <a:extLst>
               <a:ext uri="{FF2B5EF4-FFF2-40B4-BE49-F238E27FC236}">
-                <a16:creationId xmlns:a16="http://schemas.microsoft.com/office/drawing/2014/main" id="{57963970-43B1-41AC-85B2-7BB3ACD671BF}"/>
+                <a16:creationId xmlns:a16="http://schemas.microsoft.com/office/drawing/2014/main" xmlns="" id="{57963970-43B1-41AC-85B2-7BB3ACD671BF}"/>
               </a:ext>
             </a:extLst>
           </p:cNvPr>
@@ -1446,7 +1446,7 @@
           <p:cNvPr id="7" name="Slide Number Placeholder 6">
             <a:extLst>
               <a:ext uri="{FF2B5EF4-FFF2-40B4-BE49-F238E27FC236}">
-                <a16:creationId xmlns:a16="http://schemas.microsoft.com/office/drawing/2014/main" id="{D4895FC2-6617-45DB-8012-8BBABFB34F7F}"/>
+                <a16:creationId xmlns:a16="http://schemas.microsoft.com/office/drawing/2014/main" xmlns="" id="{D4895FC2-6617-45DB-8012-8BBABFB34F7F}"/>
               </a:ext>
             </a:extLst>
           </p:cNvPr>
@@ -1505,7 +1505,7 @@
           <p:cNvPr id="2" name="Title 1">
             <a:extLst>
               <a:ext uri="{FF2B5EF4-FFF2-40B4-BE49-F238E27FC236}">
-                <a16:creationId xmlns:a16="http://schemas.microsoft.com/office/drawing/2014/main" id="{26B24422-3D8E-430E-9790-4849BDD66F47}"/>
+                <a16:creationId xmlns:a16="http://schemas.microsoft.com/office/drawing/2014/main" xmlns="" id="{26B24422-3D8E-430E-9790-4849BDD66F47}"/>
               </a:ext>
             </a:extLst>
           </p:cNvPr>
@@ -1539,7 +1539,7 @@
           <p:cNvPr id="3" name="Text Placeholder 2">
             <a:extLst>
               <a:ext uri="{FF2B5EF4-FFF2-40B4-BE49-F238E27FC236}">
-                <a16:creationId xmlns:a16="http://schemas.microsoft.com/office/drawing/2014/main" id="{F344B502-2F3A-4C8E-BB65-E3D03DE35AEF}"/>
+                <a16:creationId xmlns:a16="http://schemas.microsoft.com/office/drawing/2014/main" xmlns="" id="{F344B502-2F3A-4C8E-BB65-E3D03DE35AEF}"/>
               </a:ext>
             </a:extLst>
           </p:cNvPr>
@@ -1610,7 +1610,7 @@
           <p:cNvPr id="4" name="Content Placeholder 3">
             <a:extLst>
               <a:ext uri="{FF2B5EF4-FFF2-40B4-BE49-F238E27FC236}">
-                <a16:creationId xmlns:a16="http://schemas.microsoft.com/office/drawing/2014/main" id="{AE3DA0F9-78F6-4DC1-AD6C-8C07DA953DCC}"/>
+                <a16:creationId xmlns:a16="http://schemas.microsoft.com/office/drawing/2014/main" xmlns="" id="{AE3DA0F9-78F6-4DC1-AD6C-8C07DA953DCC}"/>
               </a:ext>
             </a:extLst>
           </p:cNvPr>
@@ -1673,7 +1673,7 @@
           <p:cNvPr id="5" name="Text Placeholder 4">
             <a:extLst>
               <a:ext uri="{FF2B5EF4-FFF2-40B4-BE49-F238E27FC236}">
-                <a16:creationId xmlns:a16="http://schemas.microsoft.com/office/drawing/2014/main" id="{7FA68F9B-D32E-45FE-8F04-0B20F38566B4}"/>
+                <a16:creationId xmlns:a16="http://schemas.microsoft.com/office/drawing/2014/main" xmlns="" id="{7FA68F9B-D32E-45FE-8F04-0B20F38566B4}"/>
               </a:ext>
             </a:extLst>
           </p:cNvPr>
@@ -1744,7 +1744,7 @@
           <p:cNvPr id="6" name="Content Placeholder 5">
             <a:extLst>
               <a:ext uri="{FF2B5EF4-FFF2-40B4-BE49-F238E27FC236}">
-                <a16:creationId xmlns:a16="http://schemas.microsoft.com/office/drawing/2014/main" id="{DE1719C9-18C6-4F1D-9040-F95268570AE1}"/>
+                <a16:creationId xmlns:a16="http://schemas.microsoft.com/office/drawing/2014/main" xmlns="" id="{DE1719C9-18C6-4F1D-9040-F95268570AE1}"/>
               </a:ext>
             </a:extLst>
           </p:cNvPr>
@@ -1807,7 +1807,7 @@
           <p:cNvPr id="7" name="Date Placeholder 6">
             <a:extLst>
               <a:ext uri="{FF2B5EF4-FFF2-40B4-BE49-F238E27FC236}">
-                <a16:creationId xmlns:a16="http://schemas.microsoft.com/office/drawing/2014/main" id="{61336AE5-1256-4BAE-ADA5-E5D018010508}"/>
+                <a16:creationId xmlns:a16="http://schemas.microsoft.com/office/drawing/2014/main" xmlns="" id="{61336AE5-1256-4BAE-ADA5-E5D018010508}"/>
               </a:ext>
             </a:extLst>
           </p:cNvPr>
@@ -1825,7 +1825,7 @@
           <a:p>
             <a:fld id="{0311B735-E2A3-470A-9A4D-770102782056}" type="datetimeFigureOut">
               <a:rPr lang="en-GB" smtClean="0"/>
-              <a:t>28/08/2018</a:t>
+              <a:t>29/08/18</a:t>
             </a:fld>
             <a:endParaRPr lang="en-GB"/>
           </a:p>
@@ -1836,7 +1836,7 @@
           <p:cNvPr id="8" name="Footer Placeholder 7">
             <a:extLst>
               <a:ext uri="{FF2B5EF4-FFF2-40B4-BE49-F238E27FC236}">
-                <a16:creationId xmlns:a16="http://schemas.microsoft.com/office/drawing/2014/main" id="{C8CD67F6-8AE1-4EBF-91ED-70FC7756B389}"/>
+                <a16:creationId xmlns:a16="http://schemas.microsoft.com/office/drawing/2014/main" xmlns="" id="{C8CD67F6-8AE1-4EBF-91ED-70FC7756B389}"/>
               </a:ext>
             </a:extLst>
           </p:cNvPr>
@@ -1861,7 +1861,7 @@
           <p:cNvPr id="9" name="Slide Number Placeholder 8">
             <a:extLst>
               <a:ext uri="{FF2B5EF4-FFF2-40B4-BE49-F238E27FC236}">
-                <a16:creationId xmlns:a16="http://schemas.microsoft.com/office/drawing/2014/main" id="{C321D20A-7542-4762-A11D-67B52148D343}"/>
+                <a16:creationId xmlns:a16="http://schemas.microsoft.com/office/drawing/2014/main" xmlns="" id="{C321D20A-7542-4762-A11D-67B52148D343}"/>
               </a:ext>
             </a:extLst>
           </p:cNvPr>
@@ -1920,7 +1920,7 @@
           <p:cNvPr id="2" name="Title 1">
             <a:extLst>
               <a:ext uri="{FF2B5EF4-FFF2-40B4-BE49-F238E27FC236}">
-                <a16:creationId xmlns:a16="http://schemas.microsoft.com/office/drawing/2014/main" id="{1A1CF898-B4B2-485C-A250-BCFE88D69448}"/>
+                <a16:creationId xmlns:a16="http://schemas.microsoft.com/office/drawing/2014/main" xmlns="" id="{1A1CF898-B4B2-485C-A250-BCFE88D69448}"/>
               </a:ext>
             </a:extLst>
           </p:cNvPr>
@@ -1949,7 +1949,7 @@
           <p:cNvPr id="3" name="Date Placeholder 2">
             <a:extLst>
               <a:ext uri="{FF2B5EF4-FFF2-40B4-BE49-F238E27FC236}">
-                <a16:creationId xmlns:a16="http://schemas.microsoft.com/office/drawing/2014/main" id="{3EEA4EE7-D042-429C-803D-1F82F8071F30}"/>
+                <a16:creationId xmlns:a16="http://schemas.microsoft.com/office/drawing/2014/main" xmlns="" id="{3EEA4EE7-D042-429C-803D-1F82F8071F30}"/>
               </a:ext>
             </a:extLst>
           </p:cNvPr>
@@ -1967,7 +1967,7 @@
           <a:p>
             <a:fld id="{0311B735-E2A3-470A-9A4D-770102782056}" type="datetimeFigureOut">
               <a:rPr lang="en-GB" smtClean="0"/>
-              <a:t>28/08/2018</a:t>
+              <a:t>29/08/18</a:t>
             </a:fld>
             <a:endParaRPr lang="en-GB"/>
           </a:p>
@@ -1978,7 +1978,7 @@
           <p:cNvPr id="4" name="Footer Placeholder 3">
             <a:extLst>
               <a:ext uri="{FF2B5EF4-FFF2-40B4-BE49-F238E27FC236}">
-                <a16:creationId xmlns:a16="http://schemas.microsoft.com/office/drawing/2014/main" id="{6DD3ECAB-1CDE-4AD0-A0DF-482F2B1F202D}"/>
+                <a16:creationId xmlns:a16="http://schemas.microsoft.com/office/drawing/2014/main" xmlns="" id="{6DD3ECAB-1CDE-4AD0-A0DF-482F2B1F202D}"/>
               </a:ext>
             </a:extLst>
           </p:cNvPr>
@@ -2003,7 +2003,7 @@
           <p:cNvPr id="5" name="Slide Number Placeholder 4">
             <a:extLst>
               <a:ext uri="{FF2B5EF4-FFF2-40B4-BE49-F238E27FC236}">
-                <a16:creationId xmlns:a16="http://schemas.microsoft.com/office/drawing/2014/main" id="{9DFAE654-807F-4AD2-959C-0A973E27049D}"/>
+                <a16:creationId xmlns:a16="http://schemas.microsoft.com/office/drawing/2014/main" xmlns="" id="{9DFAE654-807F-4AD2-959C-0A973E27049D}"/>
               </a:ext>
             </a:extLst>
           </p:cNvPr>
@@ -2062,7 +2062,7 @@
           <p:cNvPr id="2" name="Date Placeholder 1">
             <a:extLst>
               <a:ext uri="{FF2B5EF4-FFF2-40B4-BE49-F238E27FC236}">
-                <a16:creationId xmlns:a16="http://schemas.microsoft.com/office/drawing/2014/main" id="{07A03801-365F-4AE6-A7B9-2FCFE7F96952}"/>
+                <a16:creationId xmlns:a16="http://schemas.microsoft.com/office/drawing/2014/main" xmlns="" id="{07A03801-365F-4AE6-A7B9-2FCFE7F96952}"/>
               </a:ext>
             </a:extLst>
           </p:cNvPr>
@@ -2080,7 +2080,7 @@
           <a:p>
             <a:fld id="{0311B735-E2A3-470A-9A4D-770102782056}" type="datetimeFigureOut">
               <a:rPr lang="en-GB" smtClean="0"/>
-              <a:t>28/08/2018</a:t>
+              <a:t>29/08/18</a:t>
             </a:fld>
             <a:endParaRPr lang="en-GB"/>
           </a:p>
@@ -2091,7 +2091,7 @@
           <p:cNvPr id="3" name="Footer Placeholder 2">
             <a:extLst>
               <a:ext uri="{FF2B5EF4-FFF2-40B4-BE49-F238E27FC236}">
-                <a16:creationId xmlns:a16="http://schemas.microsoft.com/office/drawing/2014/main" id="{06395C4B-248A-4E92-941B-2438EBA3BAB3}"/>
+                <a16:creationId xmlns:a16="http://schemas.microsoft.com/office/drawing/2014/main" xmlns="" id="{06395C4B-248A-4E92-941B-2438EBA3BAB3}"/>
               </a:ext>
             </a:extLst>
           </p:cNvPr>
@@ -2116,7 +2116,7 @@
           <p:cNvPr id="4" name="Slide Number Placeholder 3">
             <a:extLst>
               <a:ext uri="{FF2B5EF4-FFF2-40B4-BE49-F238E27FC236}">
-                <a16:creationId xmlns:a16="http://schemas.microsoft.com/office/drawing/2014/main" id="{37880BDE-FB9D-4E17-AF2C-CC26F62ED7FA}"/>
+                <a16:creationId xmlns:a16="http://schemas.microsoft.com/office/drawing/2014/main" xmlns="" id="{37880BDE-FB9D-4E17-AF2C-CC26F62ED7FA}"/>
               </a:ext>
             </a:extLst>
           </p:cNvPr>
@@ -2175,7 +2175,7 @@
           <p:cNvPr id="2" name="Title 1">
             <a:extLst>
               <a:ext uri="{FF2B5EF4-FFF2-40B4-BE49-F238E27FC236}">
-                <a16:creationId xmlns:a16="http://schemas.microsoft.com/office/drawing/2014/main" id="{23B9ACD2-9FC7-42A2-A44C-A0228F606A2C}"/>
+                <a16:creationId xmlns:a16="http://schemas.microsoft.com/office/drawing/2014/main" xmlns="" id="{23B9ACD2-9FC7-42A2-A44C-A0228F606A2C}"/>
               </a:ext>
             </a:extLst>
           </p:cNvPr>
@@ -2213,7 +2213,7 @@
           <p:cNvPr id="3" name="Content Placeholder 2">
             <a:extLst>
               <a:ext uri="{FF2B5EF4-FFF2-40B4-BE49-F238E27FC236}">
-                <a16:creationId xmlns:a16="http://schemas.microsoft.com/office/drawing/2014/main" id="{A6849004-2BE1-42C2-83BF-05FDD887C9BE}"/>
+                <a16:creationId xmlns:a16="http://schemas.microsoft.com/office/drawing/2014/main" xmlns="" id="{A6849004-2BE1-42C2-83BF-05FDD887C9BE}"/>
               </a:ext>
             </a:extLst>
           </p:cNvPr>
@@ -2304,7 +2304,7 @@
           <p:cNvPr id="4" name="Text Placeholder 3">
             <a:extLst>
               <a:ext uri="{FF2B5EF4-FFF2-40B4-BE49-F238E27FC236}">
-                <a16:creationId xmlns:a16="http://schemas.microsoft.com/office/drawing/2014/main" id="{E655C51C-6C5B-4F6C-AE4B-45E402AD2A9F}"/>
+                <a16:creationId xmlns:a16="http://schemas.microsoft.com/office/drawing/2014/main" xmlns="" id="{E655C51C-6C5B-4F6C-AE4B-45E402AD2A9F}"/>
               </a:ext>
             </a:extLst>
           </p:cNvPr>
@@ -2375,7 +2375,7 @@
           <p:cNvPr id="5" name="Date Placeholder 4">
             <a:extLst>
               <a:ext uri="{FF2B5EF4-FFF2-40B4-BE49-F238E27FC236}">
-                <a16:creationId xmlns:a16="http://schemas.microsoft.com/office/drawing/2014/main" id="{2820FD7B-EADB-4589-80A8-665B38B4D8C9}"/>
+                <a16:creationId xmlns:a16="http://schemas.microsoft.com/office/drawing/2014/main" xmlns="" id="{2820FD7B-EADB-4589-80A8-665B38B4D8C9}"/>
               </a:ext>
             </a:extLst>
           </p:cNvPr>
@@ -2393,7 +2393,7 @@
           <a:p>
             <a:fld id="{0311B735-E2A3-470A-9A4D-770102782056}" type="datetimeFigureOut">
               <a:rPr lang="en-GB" smtClean="0"/>
-              <a:t>28/08/2018</a:t>
+              <a:t>29/08/18</a:t>
             </a:fld>
             <a:endParaRPr lang="en-GB"/>
           </a:p>
@@ -2404,7 +2404,7 @@
           <p:cNvPr id="6" name="Footer Placeholder 5">
             <a:extLst>
               <a:ext uri="{FF2B5EF4-FFF2-40B4-BE49-F238E27FC236}">
-                <a16:creationId xmlns:a16="http://schemas.microsoft.com/office/drawing/2014/main" id="{7B073845-F5F8-4A77-9B97-750BF8DBB229}"/>
+                <a16:creationId xmlns:a16="http://schemas.microsoft.com/office/drawing/2014/main" xmlns="" id="{7B073845-F5F8-4A77-9B97-750BF8DBB229}"/>
               </a:ext>
             </a:extLst>
           </p:cNvPr>
@@ -2429,7 +2429,7 @@
           <p:cNvPr id="7" name="Slide Number Placeholder 6">
             <a:extLst>
               <a:ext uri="{FF2B5EF4-FFF2-40B4-BE49-F238E27FC236}">
-                <a16:creationId xmlns:a16="http://schemas.microsoft.com/office/drawing/2014/main" id="{B4306E81-F7C9-4906-9414-91923B5A9383}"/>
+                <a16:creationId xmlns:a16="http://schemas.microsoft.com/office/drawing/2014/main" xmlns="" id="{B4306E81-F7C9-4906-9414-91923B5A9383}"/>
               </a:ext>
             </a:extLst>
           </p:cNvPr>
@@ -2488,7 +2488,7 @@
           <p:cNvPr id="2" name="Title 1">
             <a:extLst>
               <a:ext uri="{FF2B5EF4-FFF2-40B4-BE49-F238E27FC236}">
-                <a16:creationId xmlns:a16="http://schemas.microsoft.com/office/drawing/2014/main" id="{63A76697-BC9C-4D73-9639-9729BE7D3F12}"/>
+                <a16:creationId xmlns:a16="http://schemas.microsoft.com/office/drawing/2014/main" xmlns="" id="{63A76697-BC9C-4D73-9639-9729BE7D3F12}"/>
               </a:ext>
             </a:extLst>
           </p:cNvPr>
@@ -2526,7 +2526,7 @@
           <p:cNvPr id="3" name="Picture Placeholder 2">
             <a:extLst>
               <a:ext uri="{FF2B5EF4-FFF2-40B4-BE49-F238E27FC236}">
-                <a16:creationId xmlns:a16="http://schemas.microsoft.com/office/drawing/2014/main" id="{E6AF6352-DDBA-4B06-96E7-F0D96977B3F7}"/>
+                <a16:creationId xmlns:a16="http://schemas.microsoft.com/office/drawing/2014/main" xmlns="" id="{E6AF6352-DDBA-4B06-96E7-F0D96977B3F7}"/>
               </a:ext>
             </a:extLst>
           </p:cNvPr>
@@ -2593,7 +2593,7 @@
           <p:cNvPr id="4" name="Text Placeholder 3">
             <a:extLst>
               <a:ext uri="{FF2B5EF4-FFF2-40B4-BE49-F238E27FC236}">
-                <a16:creationId xmlns:a16="http://schemas.microsoft.com/office/drawing/2014/main" id="{6CE63274-142E-47D5-A3DA-59D081CC33BE}"/>
+                <a16:creationId xmlns:a16="http://schemas.microsoft.com/office/drawing/2014/main" xmlns="" id="{6CE63274-142E-47D5-A3DA-59D081CC33BE}"/>
               </a:ext>
             </a:extLst>
           </p:cNvPr>
@@ -2664,7 +2664,7 @@
           <p:cNvPr id="5" name="Date Placeholder 4">
             <a:extLst>
               <a:ext uri="{FF2B5EF4-FFF2-40B4-BE49-F238E27FC236}">
-                <a16:creationId xmlns:a16="http://schemas.microsoft.com/office/drawing/2014/main" id="{30BF2B50-6384-4720-BDF5-A85444670763}"/>
+                <a16:creationId xmlns:a16="http://schemas.microsoft.com/office/drawing/2014/main" xmlns="" id="{30BF2B50-6384-4720-BDF5-A85444670763}"/>
               </a:ext>
             </a:extLst>
           </p:cNvPr>
@@ -2682,7 +2682,7 @@
           <a:p>
             <a:fld id="{0311B735-E2A3-470A-9A4D-770102782056}" type="datetimeFigureOut">
               <a:rPr lang="en-GB" smtClean="0"/>
-              <a:t>28/08/2018</a:t>
+              <a:t>29/08/18</a:t>
             </a:fld>
             <a:endParaRPr lang="en-GB"/>
           </a:p>
@@ -2693,7 +2693,7 @@
           <p:cNvPr id="6" name="Footer Placeholder 5">
             <a:extLst>
               <a:ext uri="{FF2B5EF4-FFF2-40B4-BE49-F238E27FC236}">
-                <a16:creationId xmlns:a16="http://schemas.microsoft.com/office/drawing/2014/main" id="{5D6A65DB-74D7-4BBD-A5DB-E24AB1D76293}"/>
+                <a16:creationId xmlns:a16="http://schemas.microsoft.com/office/drawing/2014/main" xmlns="" id="{5D6A65DB-74D7-4BBD-A5DB-E24AB1D76293}"/>
               </a:ext>
             </a:extLst>
           </p:cNvPr>
@@ -2718,7 +2718,7 @@
           <p:cNvPr id="7" name="Slide Number Placeholder 6">
             <a:extLst>
               <a:ext uri="{FF2B5EF4-FFF2-40B4-BE49-F238E27FC236}">
-                <a16:creationId xmlns:a16="http://schemas.microsoft.com/office/drawing/2014/main" id="{202E1221-9084-484B-9E46-594F99C1CDF1}"/>
+                <a16:creationId xmlns:a16="http://schemas.microsoft.com/office/drawing/2014/main" xmlns="" id="{202E1221-9084-484B-9E46-594F99C1CDF1}"/>
               </a:ext>
             </a:extLst>
           </p:cNvPr>
@@ -2782,7 +2782,7 @@
           <p:cNvPr id="2" name="Title Placeholder 1">
             <a:extLst>
               <a:ext uri="{FF2B5EF4-FFF2-40B4-BE49-F238E27FC236}">
-                <a16:creationId xmlns:a16="http://schemas.microsoft.com/office/drawing/2014/main" id="{EC679223-F2A9-4032-9CF4-CAF7EC2387B4}"/>
+                <a16:creationId xmlns:a16="http://schemas.microsoft.com/office/drawing/2014/main" xmlns="" id="{EC679223-F2A9-4032-9CF4-CAF7EC2387B4}"/>
               </a:ext>
             </a:extLst>
           </p:cNvPr>
@@ -2821,7 +2821,7 @@
           <p:cNvPr id="3" name="Text Placeholder 2">
             <a:extLst>
               <a:ext uri="{FF2B5EF4-FFF2-40B4-BE49-F238E27FC236}">
-                <a16:creationId xmlns:a16="http://schemas.microsoft.com/office/drawing/2014/main" id="{6B99BB48-818F-4C08-B4FE-0F0D6F299529}"/>
+                <a16:creationId xmlns:a16="http://schemas.microsoft.com/office/drawing/2014/main" xmlns="" id="{6B99BB48-818F-4C08-B4FE-0F0D6F299529}"/>
               </a:ext>
             </a:extLst>
           </p:cNvPr>
@@ -2889,7 +2889,7 @@
           <p:cNvPr id="4" name="Date Placeholder 3">
             <a:extLst>
               <a:ext uri="{FF2B5EF4-FFF2-40B4-BE49-F238E27FC236}">
-                <a16:creationId xmlns:a16="http://schemas.microsoft.com/office/drawing/2014/main" id="{70287A33-4390-48C3-A32A-B6B2DC684005}"/>
+                <a16:creationId xmlns:a16="http://schemas.microsoft.com/office/drawing/2014/main" xmlns="" id="{70287A33-4390-48C3-A32A-B6B2DC684005}"/>
               </a:ext>
             </a:extLst>
           </p:cNvPr>
@@ -2925,7 +2925,7 @@
           <a:p>
             <a:fld id="{0311B735-E2A3-470A-9A4D-770102782056}" type="datetimeFigureOut">
               <a:rPr lang="en-GB" smtClean="0"/>
-              <a:t>28/08/2018</a:t>
+              <a:t>29/08/18</a:t>
             </a:fld>
             <a:endParaRPr lang="en-GB"/>
           </a:p>
@@ -2936,7 +2936,7 @@
           <p:cNvPr id="5" name="Footer Placeholder 4">
             <a:extLst>
               <a:ext uri="{FF2B5EF4-FFF2-40B4-BE49-F238E27FC236}">
-                <a16:creationId xmlns:a16="http://schemas.microsoft.com/office/drawing/2014/main" id="{FEA1342E-48F2-4BD1-8A14-55884FA4E541}"/>
+                <a16:creationId xmlns:a16="http://schemas.microsoft.com/office/drawing/2014/main" xmlns="" id="{FEA1342E-48F2-4BD1-8A14-55884FA4E541}"/>
               </a:ext>
             </a:extLst>
           </p:cNvPr>
@@ -2979,7 +2979,7 @@
           <p:cNvPr id="6" name="Slide Number Placeholder 5">
             <a:extLst>
               <a:ext uri="{FF2B5EF4-FFF2-40B4-BE49-F238E27FC236}">
-                <a16:creationId xmlns:a16="http://schemas.microsoft.com/office/drawing/2014/main" id="{6952E28F-09C7-41BE-894D-1BB7E5CFC160}"/>
+                <a16:creationId xmlns:a16="http://schemas.microsoft.com/office/drawing/2014/main" xmlns="" id="{6952E28F-09C7-41BE-894D-1BB7E5CFC160}"/>
               </a:ext>
             </a:extLst>
           </p:cNvPr>
@@ -3347,7 +3347,7 @@
           <p:cNvPr id="5" name="Straight Connector 4">
             <a:extLst>
               <a:ext uri="{FF2B5EF4-FFF2-40B4-BE49-F238E27FC236}">
-                <a16:creationId xmlns:a16="http://schemas.microsoft.com/office/drawing/2014/main" id="{C7834697-8B0F-4436-9D07-955E893E913D}"/>
+                <a16:creationId xmlns:a16="http://schemas.microsoft.com/office/drawing/2014/main" xmlns="" id="{C7834697-8B0F-4436-9D07-955E893E913D}"/>
               </a:ext>
             </a:extLst>
           </p:cNvPr>
@@ -3388,7 +3388,7 @@
           <p:cNvPr id="6" name="TextBox 5">
             <a:extLst>
               <a:ext uri="{FF2B5EF4-FFF2-40B4-BE49-F238E27FC236}">
-                <a16:creationId xmlns:a16="http://schemas.microsoft.com/office/drawing/2014/main" id="{C7AEB5FA-5B47-48C4-8E25-6520FBFE3414}"/>
+                <a16:creationId xmlns:a16="http://schemas.microsoft.com/office/drawing/2014/main" xmlns="" id="{C7AEB5FA-5B47-48C4-8E25-6520FBFE3414}"/>
               </a:ext>
             </a:extLst>
           </p:cNvPr>
@@ -3427,7 +3427,7 @@
           <p:cNvPr id="7" name="Straight Connector 6">
             <a:extLst>
               <a:ext uri="{FF2B5EF4-FFF2-40B4-BE49-F238E27FC236}">
-                <a16:creationId xmlns:a16="http://schemas.microsoft.com/office/drawing/2014/main" id="{79A295EE-82EF-40D8-95E9-12112E684381}"/>
+                <a16:creationId xmlns:a16="http://schemas.microsoft.com/office/drawing/2014/main" xmlns="" id="{79A295EE-82EF-40D8-95E9-12112E684381}"/>
               </a:ext>
             </a:extLst>
           </p:cNvPr>
@@ -3468,7 +3468,7 @@
           <p:cNvPr id="8" name="Isosceles Triangle 7">
             <a:extLst>
               <a:ext uri="{FF2B5EF4-FFF2-40B4-BE49-F238E27FC236}">
-                <a16:creationId xmlns:a16="http://schemas.microsoft.com/office/drawing/2014/main" id="{8678D88C-2A6D-4271-BE23-4018C3765B3E}"/>
+                <a16:creationId xmlns:a16="http://schemas.microsoft.com/office/drawing/2014/main" xmlns="" id="{8678D88C-2A6D-4271-BE23-4018C3765B3E}"/>
               </a:ext>
             </a:extLst>
           </p:cNvPr>
@@ -3524,7 +3524,7 @@
           <p:cNvPr id="9" name="Straight Connector 8">
             <a:extLst>
               <a:ext uri="{FF2B5EF4-FFF2-40B4-BE49-F238E27FC236}">
-                <a16:creationId xmlns:a16="http://schemas.microsoft.com/office/drawing/2014/main" id="{33F46E6F-8E79-45FD-99E6-CC3C48AFE251}"/>
+                <a16:creationId xmlns:a16="http://schemas.microsoft.com/office/drawing/2014/main" xmlns="" id="{33F46E6F-8E79-45FD-99E6-CC3C48AFE251}"/>
               </a:ext>
             </a:extLst>
           </p:cNvPr>
@@ -3567,7 +3567,7 @@
           <p:cNvPr id="10" name="Isosceles Triangle 9">
             <a:extLst>
               <a:ext uri="{FF2B5EF4-FFF2-40B4-BE49-F238E27FC236}">
-                <a16:creationId xmlns:a16="http://schemas.microsoft.com/office/drawing/2014/main" id="{565E19A4-F283-4439-869E-DD73CB133F62}"/>
+                <a16:creationId xmlns:a16="http://schemas.microsoft.com/office/drawing/2014/main" xmlns="" id="{565E19A4-F283-4439-869E-DD73CB133F62}"/>
               </a:ext>
             </a:extLst>
           </p:cNvPr>
@@ -3623,7 +3623,7 @@
           <p:cNvPr id="11" name="Straight Connector 10">
             <a:extLst>
               <a:ext uri="{FF2B5EF4-FFF2-40B4-BE49-F238E27FC236}">
-                <a16:creationId xmlns:a16="http://schemas.microsoft.com/office/drawing/2014/main" id="{A643E447-A943-405D-86ED-F1A3D9DF77B1}"/>
+                <a16:creationId xmlns:a16="http://schemas.microsoft.com/office/drawing/2014/main" xmlns="" id="{A643E447-A943-405D-86ED-F1A3D9DF77B1}"/>
               </a:ext>
             </a:extLst>
           </p:cNvPr>
@@ -3666,7 +3666,7 @@
           <p:cNvPr id="12" name="Straight Connector 11">
             <a:extLst>
               <a:ext uri="{FF2B5EF4-FFF2-40B4-BE49-F238E27FC236}">
-                <a16:creationId xmlns:a16="http://schemas.microsoft.com/office/drawing/2014/main" id="{F0171F01-0208-4E1F-BBC8-1B299F364451}"/>
+                <a16:creationId xmlns:a16="http://schemas.microsoft.com/office/drawing/2014/main" xmlns="" id="{F0171F01-0208-4E1F-BBC8-1B299F364451}"/>
               </a:ext>
             </a:extLst>
           </p:cNvPr>
@@ -3709,7 +3709,7 @@
           <p:cNvPr id="13" name="Straight Connector 12">
             <a:extLst>
               <a:ext uri="{FF2B5EF4-FFF2-40B4-BE49-F238E27FC236}">
-                <a16:creationId xmlns:a16="http://schemas.microsoft.com/office/drawing/2014/main" id="{436AA98A-0D11-49DC-9D6B-376D16C74FA2}"/>
+                <a16:creationId xmlns:a16="http://schemas.microsoft.com/office/drawing/2014/main" xmlns="" id="{436AA98A-0D11-49DC-9D6B-376D16C74FA2}"/>
               </a:ext>
             </a:extLst>
           </p:cNvPr>
@@ -3752,7 +3752,7 @@
           <p:cNvPr id="14" name="Straight Connector 13">
             <a:extLst>
               <a:ext uri="{FF2B5EF4-FFF2-40B4-BE49-F238E27FC236}">
-                <a16:creationId xmlns:a16="http://schemas.microsoft.com/office/drawing/2014/main" id="{69A859E7-A7FF-45B4-90D7-E82C7ECCA188}"/>
+                <a16:creationId xmlns:a16="http://schemas.microsoft.com/office/drawing/2014/main" xmlns="" id="{69A859E7-A7FF-45B4-90D7-E82C7ECCA188}"/>
               </a:ext>
             </a:extLst>
           </p:cNvPr>
@@ -3795,7 +3795,7 @@
           <p:cNvPr id="15" name="Straight Connector 14">
             <a:extLst>
               <a:ext uri="{FF2B5EF4-FFF2-40B4-BE49-F238E27FC236}">
-                <a16:creationId xmlns:a16="http://schemas.microsoft.com/office/drawing/2014/main" id="{85CC8A7B-E620-4455-A920-6418049D8F05}"/>
+                <a16:creationId xmlns:a16="http://schemas.microsoft.com/office/drawing/2014/main" xmlns="" id="{85CC8A7B-E620-4455-A920-6418049D8F05}"/>
               </a:ext>
             </a:extLst>
           </p:cNvPr>
@@ -3836,7 +3836,7 @@
           <p:cNvPr id="16" name="Straight Connector 15">
             <a:extLst>
               <a:ext uri="{FF2B5EF4-FFF2-40B4-BE49-F238E27FC236}">
-                <a16:creationId xmlns:a16="http://schemas.microsoft.com/office/drawing/2014/main" id="{7CFBD651-16B3-4298-B965-2E02808CB974}"/>
+                <a16:creationId xmlns:a16="http://schemas.microsoft.com/office/drawing/2014/main" xmlns="" id="{7CFBD651-16B3-4298-B965-2E02808CB974}"/>
               </a:ext>
             </a:extLst>
           </p:cNvPr>
@@ -3877,7 +3877,7 @@
           <p:cNvPr id="17" name="TextBox 16">
             <a:extLst>
               <a:ext uri="{FF2B5EF4-FFF2-40B4-BE49-F238E27FC236}">
-                <a16:creationId xmlns:a16="http://schemas.microsoft.com/office/drawing/2014/main" id="{28418AC8-2D45-4CD0-A4A3-5FB9E2D8CF1C}"/>
+                <a16:creationId xmlns:a16="http://schemas.microsoft.com/office/drawing/2014/main" xmlns="" id="{28418AC8-2D45-4CD0-A4A3-5FB9E2D8CF1C}"/>
               </a:ext>
             </a:extLst>
           </p:cNvPr>
@@ -3912,7 +3912,7 @@
           <p:cNvPr id="18" name="TextBox 17">
             <a:extLst>
               <a:ext uri="{FF2B5EF4-FFF2-40B4-BE49-F238E27FC236}">
-                <a16:creationId xmlns:a16="http://schemas.microsoft.com/office/drawing/2014/main" id="{2CA7FDFC-099A-4219-98DC-A94180E03C52}"/>
+                <a16:creationId xmlns:a16="http://schemas.microsoft.com/office/drawing/2014/main" xmlns="" id="{2CA7FDFC-099A-4219-98DC-A94180E03C52}"/>
               </a:ext>
             </a:extLst>
           </p:cNvPr>
@@ -3947,7 +3947,7 @@
           <p:cNvPr id="19" name="TextBox 18">
             <a:extLst>
               <a:ext uri="{FF2B5EF4-FFF2-40B4-BE49-F238E27FC236}">
-                <a16:creationId xmlns:a16="http://schemas.microsoft.com/office/drawing/2014/main" id="{052436E7-DCC2-442C-9C92-FC69EB59115A}"/>
+                <a16:creationId xmlns:a16="http://schemas.microsoft.com/office/drawing/2014/main" xmlns="" id="{052436E7-DCC2-442C-9C92-FC69EB59115A}"/>
               </a:ext>
             </a:extLst>
           </p:cNvPr>
@@ -3982,7 +3982,7 @@
           <p:cNvPr id="36" name="TextBox 35">
             <a:extLst>
               <a:ext uri="{FF2B5EF4-FFF2-40B4-BE49-F238E27FC236}">
-                <a16:creationId xmlns:a16="http://schemas.microsoft.com/office/drawing/2014/main" id="{0856E671-079D-416B-A7FD-69709074AE5B}"/>
+                <a16:creationId xmlns:a16="http://schemas.microsoft.com/office/drawing/2014/main" xmlns="" id="{0856E671-079D-416B-A7FD-69709074AE5B}"/>
               </a:ext>
             </a:extLst>
           </p:cNvPr>
@@ -4017,7 +4017,7 @@
           <p:cNvPr id="38" name="TextBox 37">
             <a:extLst>
               <a:ext uri="{FF2B5EF4-FFF2-40B4-BE49-F238E27FC236}">
-                <a16:creationId xmlns:a16="http://schemas.microsoft.com/office/drawing/2014/main" id="{1E323F53-97EE-4B07-A987-9E425FACDBC2}"/>
+                <a16:creationId xmlns:a16="http://schemas.microsoft.com/office/drawing/2014/main" xmlns="" id="{1E323F53-97EE-4B07-A987-9E425FACDBC2}"/>
               </a:ext>
             </a:extLst>
           </p:cNvPr>
@@ -4052,7 +4052,7 @@
           <p:cNvPr id="39" name="TextBox 38">
             <a:extLst>
               <a:ext uri="{FF2B5EF4-FFF2-40B4-BE49-F238E27FC236}">
-                <a16:creationId xmlns:a16="http://schemas.microsoft.com/office/drawing/2014/main" id="{C8AA9042-8379-4437-9455-D69FD4C30EF4}"/>
+                <a16:creationId xmlns:a16="http://schemas.microsoft.com/office/drawing/2014/main" xmlns="" id="{C8AA9042-8379-4437-9455-D69FD4C30EF4}"/>
               </a:ext>
             </a:extLst>
           </p:cNvPr>
@@ -4087,7 +4087,7 @@
           <p:cNvPr id="40" name="TextBox 39">
             <a:extLst>
               <a:ext uri="{FF2B5EF4-FFF2-40B4-BE49-F238E27FC236}">
-                <a16:creationId xmlns:a16="http://schemas.microsoft.com/office/drawing/2014/main" id="{5B418453-A54B-4461-9666-F374718CE288}"/>
+                <a16:creationId xmlns:a16="http://schemas.microsoft.com/office/drawing/2014/main" xmlns="" id="{5B418453-A54B-4461-9666-F374718CE288}"/>
               </a:ext>
             </a:extLst>
           </p:cNvPr>
@@ -4122,7 +4122,7 @@
           <p:cNvPr id="41" name="TextBox 40">
             <a:extLst>
               <a:ext uri="{FF2B5EF4-FFF2-40B4-BE49-F238E27FC236}">
-                <a16:creationId xmlns:a16="http://schemas.microsoft.com/office/drawing/2014/main" id="{FBAFB678-FFBD-471C-869D-FE5EEFB0AE9B}"/>
+                <a16:creationId xmlns:a16="http://schemas.microsoft.com/office/drawing/2014/main" xmlns="" id="{FBAFB678-FFBD-471C-869D-FE5EEFB0AE9B}"/>
               </a:ext>
             </a:extLst>
           </p:cNvPr>
@@ -4157,7 +4157,7 @@
           <p:cNvPr id="42" name="TextBox 41">
             <a:extLst>
               <a:ext uri="{FF2B5EF4-FFF2-40B4-BE49-F238E27FC236}">
-                <a16:creationId xmlns:a16="http://schemas.microsoft.com/office/drawing/2014/main" id="{1E3873EC-E963-4992-9E04-E1A0AF77CFC6}"/>
+                <a16:creationId xmlns:a16="http://schemas.microsoft.com/office/drawing/2014/main" xmlns="" id="{1E3873EC-E963-4992-9E04-E1A0AF77CFC6}"/>
               </a:ext>
             </a:extLst>
           </p:cNvPr>
@@ -4192,7 +4192,7 @@
           <p:cNvPr id="43" name="TextBox 42">
             <a:extLst>
               <a:ext uri="{FF2B5EF4-FFF2-40B4-BE49-F238E27FC236}">
-                <a16:creationId xmlns:a16="http://schemas.microsoft.com/office/drawing/2014/main" id="{D5C0F9AE-6326-4769-8A60-F10B48C20CAF}"/>
+                <a16:creationId xmlns:a16="http://schemas.microsoft.com/office/drawing/2014/main" xmlns="" id="{D5C0F9AE-6326-4769-8A60-F10B48C20CAF}"/>
               </a:ext>
             </a:extLst>
           </p:cNvPr>
@@ -4227,7 +4227,7 @@
           <p:cNvPr id="44" name="TextBox 43">
             <a:extLst>
               <a:ext uri="{FF2B5EF4-FFF2-40B4-BE49-F238E27FC236}">
-                <a16:creationId xmlns:a16="http://schemas.microsoft.com/office/drawing/2014/main" id="{A9D45833-616B-481E-A2E7-7360CB4193F9}"/>
+                <a16:creationId xmlns:a16="http://schemas.microsoft.com/office/drawing/2014/main" xmlns="" id="{A9D45833-616B-481E-A2E7-7360CB4193F9}"/>
               </a:ext>
             </a:extLst>
           </p:cNvPr>
@@ -4236,7 +4236,7 @@
         </p:nvSpPr>
         <p:spPr>
           <a:xfrm>
-            <a:off x="4359994" y="2065487"/>
+            <a:off x="4486994" y="2033737"/>
             <a:ext cx="548105" cy="369332"/>
           </a:xfrm>
           <a:prstGeom prst="rect">
@@ -4266,7 +4266,7 @@
           <p:cNvPr id="45" name="Straight Connector 44">
             <a:extLst>
               <a:ext uri="{FF2B5EF4-FFF2-40B4-BE49-F238E27FC236}">
-                <a16:creationId xmlns:a16="http://schemas.microsoft.com/office/drawing/2014/main" id="{24E4485F-9FBF-48C3-8208-CDC0D7EA89AE}"/>
+                <a16:creationId xmlns:a16="http://schemas.microsoft.com/office/drawing/2014/main" xmlns="" id="{24E4485F-9FBF-48C3-8208-CDC0D7EA89AE}"/>
               </a:ext>
             </a:extLst>
           </p:cNvPr>
@@ -4276,9 +4276,9 @@
           <p:nvPr/>
         </p:nvCxnSpPr>
         <p:spPr>
-          <a:xfrm rot="3240000" flipH="1">
-            <a:off x="4196909" y="2198172"/>
-            <a:ext cx="59735" cy="427977"/>
+          <a:xfrm flipH="1">
+            <a:off x="4036102" y="2239994"/>
+            <a:ext cx="513734" cy="273783"/>
           </a:xfrm>
           <a:prstGeom prst="line">
             <a:avLst/>
@@ -4309,7 +4309,7 @@
           <p:cNvPr id="50" name="TextBox 49">
             <a:extLst>
               <a:ext uri="{FF2B5EF4-FFF2-40B4-BE49-F238E27FC236}">
-                <a16:creationId xmlns:a16="http://schemas.microsoft.com/office/drawing/2014/main" id="{D2EF401A-FBAA-4B52-801C-1A17267CADF0}"/>
+                <a16:creationId xmlns:a16="http://schemas.microsoft.com/office/drawing/2014/main" xmlns="" id="{D2EF401A-FBAA-4B52-801C-1A17267CADF0}"/>
               </a:ext>
             </a:extLst>
           </p:cNvPr>
@@ -4344,7 +4344,7 @@
           <p:cNvPr id="21" name="Straight Connector 20">
             <a:extLst>
               <a:ext uri="{FF2B5EF4-FFF2-40B4-BE49-F238E27FC236}">
-                <a16:creationId xmlns:a16="http://schemas.microsoft.com/office/drawing/2014/main" id="{411944CA-548D-4902-AA34-242920CB26B8}"/>
+                <a16:creationId xmlns:a16="http://schemas.microsoft.com/office/drawing/2014/main" xmlns="" id="{411944CA-548D-4902-AA34-242920CB26B8}"/>
               </a:ext>
             </a:extLst>
           </p:cNvPr>
@@ -4385,7 +4385,7 @@
           <p:cNvPr id="22" name="TextBox 21">
             <a:extLst>
               <a:ext uri="{FF2B5EF4-FFF2-40B4-BE49-F238E27FC236}">
-                <a16:creationId xmlns:a16="http://schemas.microsoft.com/office/drawing/2014/main" id="{A7F6E13C-3F40-4BF5-B3D6-94E833781B71}"/>
+                <a16:creationId xmlns:a16="http://schemas.microsoft.com/office/drawing/2014/main" xmlns="" id="{A7F6E13C-3F40-4BF5-B3D6-94E833781B71}"/>
               </a:ext>
             </a:extLst>
           </p:cNvPr>
@@ -4424,7 +4424,7 @@
           <p:cNvPr id="23" name="Straight Connector 22">
             <a:extLst>
               <a:ext uri="{FF2B5EF4-FFF2-40B4-BE49-F238E27FC236}">
-                <a16:creationId xmlns:a16="http://schemas.microsoft.com/office/drawing/2014/main" id="{9CAADAD8-BFB4-4967-9E79-122C7FF6EAD4}"/>
+                <a16:creationId xmlns:a16="http://schemas.microsoft.com/office/drawing/2014/main" xmlns="" id="{9CAADAD8-BFB4-4967-9E79-122C7FF6EAD4}"/>
               </a:ext>
             </a:extLst>
           </p:cNvPr>
@@ -4465,7 +4465,7 @@
           <p:cNvPr id="24" name="Isosceles Triangle 23">
             <a:extLst>
               <a:ext uri="{FF2B5EF4-FFF2-40B4-BE49-F238E27FC236}">
-                <a16:creationId xmlns:a16="http://schemas.microsoft.com/office/drawing/2014/main" id="{B582FFB0-F202-4ACD-87EE-CADABD4638B6}"/>
+                <a16:creationId xmlns:a16="http://schemas.microsoft.com/office/drawing/2014/main" xmlns="" id="{B582FFB0-F202-4ACD-87EE-CADABD4638B6}"/>
               </a:ext>
             </a:extLst>
           </p:cNvPr>
@@ -4521,7 +4521,7 @@
           <p:cNvPr id="25" name="Straight Connector 24">
             <a:extLst>
               <a:ext uri="{FF2B5EF4-FFF2-40B4-BE49-F238E27FC236}">
-                <a16:creationId xmlns:a16="http://schemas.microsoft.com/office/drawing/2014/main" id="{260C190C-2075-44CE-BFB4-89D85F21F30B}"/>
+                <a16:creationId xmlns:a16="http://schemas.microsoft.com/office/drawing/2014/main" xmlns="" id="{260C190C-2075-44CE-BFB4-89D85F21F30B}"/>
               </a:ext>
             </a:extLst>
           </p:cNvPr>
@@ -4564,7 +4564,7 @@
           <p:cNvPr id="26" name="Isosceles Triangle 25">
             <a:extLst>
               <a:ext uri="{FF2B5EF4-FFF2-40B4-BE49-F238E27FC236}">
-                <a16:creationId xmlns:a16="http://schemas.microsoft.com/office/drawing/2014/main" id="{D4BA007F-64D0-4387-ABA1-29A19C748CA3}"/>
+                <a16:creationId xmlns:a16="http://schemas.microsoft.com/office/drawing/2014/main" xmlns="" id="{D4BA007F-64D0-4387-ABA1-29A19C748CA3}"/>
               </a:ext>
             </a:extLst>
           </p:cNvPr>
@@ -4620,7 +4620,7 @@
           <p:cNvPr id="27" name="Straight Connector 26">
             <a:extLst>
               <a:ext uri="{FF2B5EF4-FFF2-40B4-BE49-F238E27FC236}">
-                <a16:creationId xmlns:a16="http://schemas.microsoft.com/office/drawing/2014/main" id="{2F241F1F-9254-47A9-9474-022243C914EA}"/>
+                <a16:creationId xmlns:a16="http://schemas.microsoft.com/office/drawing/2014/main" xmlns="" id="{2F241F1F-9254-47A9-9474-022243C914EA}"/>
               </a:ext>
             </a:extLst>
           </p:cNvPr>
@@ -4663,7 +4663,7 @@
           <p:cNvPr id="28" name="Straight Connector 27">
             <a:extLst>
               <a:ext uri="{FF2B5EF4-FFF2-40B4-BE49-F238E27FC236}">
-                <a16:creationId xmlns:a16="http://schemas.microsoft.com/office/drawing/2014/main" id="{EC5BE64B-E82D-46A5-8D1B-6671FF2B6ECD}"/>
+                <a16:creationId xmlns:a16="http://schemas.microsoft.com/office/drawing/2014/main" xmlns="" id="{EC5BE64B-E82D-46A5-8D1B-6671FF2B6ECD}"/>
               </a:ext>
             </a:extLst>
           </p:cNvPr>
@@ -4706,7 +4706,7 @@
           <p:cNvPr id="29" name="Straight Connector 28">
             <a:extLst>
               <a:ext uri="{FF2B5EF4-FFF2-40B4-BE49-F238E27FC236}">
-                <a16:creationId xmlns:a16="http://schemas.microsoft.com/office/drawing/2014/main" id="{CA2E3C90-88CF-407C-B165-0D4731069F8B}"/>
+                <a16:creationId xmlns:a16="http://schemas.microsoft.com/office/drawing/2014/main" xmlns="" id="{CA2E3C90-88CF-407C-B165-0D4731069F8B}"/>
               </a:ext>
             </a:extLst>
           </p:cNvPr>
@@ -4717,8 +4717,8 @@
         </p:nvCxnSpPr>
         <p:spPr>
           <a:xfrm flipH="1" flipV="1">
-            <a:off x="5043127" y="2546740"/>
-            <a:ext cx="470036" cy="120170"/>
+            <a:off x="4902200" y="2508250"/>
+            <a:ext cx="610963" cy="158660"/>
           </a:xfrm>
           <a:prstGeom prst="line">
             <a:avLst/>
@@ -4749,7 +4749,7 @@
           <p:cNvPr id="30" name="Straight Connector 29">
             <a:extLst>
               <a:ext uri="{FF2B5EF4-FFF2-40B4-BE49-F238E27FC236}">
-                <a16:creationId xmlns:a16="http://schemas.microsoft.com/office/drawing/2014/main" id="{89E89BBB-065D-4BD2-AB3B-12E00655A334}"/>
+                <a16:creationId xmlns:a16="http://schemas.microsoft.com/office/drawing/2014/main" xmlns="" id="{89E89BBB-065D-4BD2-AB3B-12E00655A334}"/>
               </a:ext>
             </a:extLst>
           </p:cNvPr>
@@ -4761,8 +4761,8 @@
         </p:nvCxnSpPr>
         <p:spPr>
           <a:xfrm flipH="1">
-            <a:off x="4651480" y="2019962"/>
-            <a:ext cx="391647" cy="175056"/>
+            <a:off x="4765675" y="2019962"/>
+            <a:ext cx="277452" cy="119988"/>
           </a:xfrm>
           <a:prstGeom prst="line">
             <a:avLst/>
@@ -4793,7 +4793,7 @@
           <p:cNvPr id="31" name="Straight Connector 30">
             <a:extLst>
               <a:ext uri="{FF2B5EF4-FFF2-40B4-BE49-F238E27FC236}">
-                <a16:creationId xmlns:a16="http://schemas.microsoft.com/office/drawing/2014/main" id="{4FBBAB11-6043-4126-A0B5-9E984D176DDC}"/>
+                <a16:creationId xmlns:a16="http://schemas.microsoft.com/office/drawing/2014/main" xmlns="" id="{4FBBAB11-6043-4126-A0B5-9E984D176DDC}"/>
               </a:ext>
             </a:extLst>
           </p:cNvPr>
@@ -4834,7 +4834,7 @@
           <p:cNvPr id="32" name="Straight Connector 31">
             <a:extLst>
               <a:ext uri="{FF2B5EF4-FFF2-40B4-BE49-F238E27FC236}">
-                <a16:creationId xmlns:a16="http://schemas.microsoft.com/office/drawing/2014/main" id="{E91E243A-65C3-4CD9-9E4A-C8FAF1F6FE7C}"/>
+                <a16:creationId xmlns:a16="http://schemas.microsoft.com/office/drawing/2014/main" xmlns="" id="{E91E243A-65C3-4CD9-9E4A-C8FAF1F6FE7C}"/>
               </a:ext>
             </a:extLst>
           </p:cNvPr>
@@ -4875,7 +4875,7 @@
           <p:cNvPr id="33" name="TextBox 32">
             <a:extLst>
               <a:ext uri="{FF2B5EF4-FFF2-40B4-BE49-F238E27FC236}">
-                <a16:creationId xmlns:a16="http://schemas.microsoft.com/office/drawing/2014/main" id="{7C005275-78EC-42AD-BBDB-4F1C5534B3D0}"/>
+                <a16:creationId xmlns:a16="http://schemas.microsoft.com/office/drawing/2014/main" xmlns="" id="{7C005275-78EC-42AD-BBDB-4F1C5534B3D0}"/>
               </a:ext>
             </a:extLst>
           </p:cNvPr>
@@ -4910,7 +4910,7 @@
           <p:cNvPr id="34" name="TextBox 33">
             <a:extLst>
               <a:ext uri="{FF2B5EF4-FFF2-40B4-BE49-F238E27FC236}">
-                <a16:creationId xmlns:a16="http://schemas.microsoft.com/office/drawing/2014/main" id="{AC2E9F9A-4C62-48D8-A6E3-A36AE63C0F2F}"/>
+                <a16:creationId xmlns:a16="http://schemas.microsoft.com/office/drawing/2014/main" xmlns="" id="{AC2E9F9A-4C62-48D8-A6E3-A36AE63C0F2F}"/>
               </a:ext>
             </a:extLst>
           </p:cNvPr>
@@ -4919,7 +4919,7 @@
         </p:nvSpPr>
         <p:spPr>
           <a:xfrm>
-            <a:off x="4642341" y="2338198"/>
+            <a:off x="4502641" y="2265173"/>
             <a:ext cx="601579" cy="369332"/>
           </a:xfrm>
           <a:prstGeom prst="rect">
@@ -4945,7 +4945,7 @@
           <p:cNvPr id="35" name="TextBox 34">
             <a:extLst>
               <a:ext uri="{FF2B5EF4-FFF2-40B4-BE49-F238E27FC236}">
-                <a16:creationId xmlns:a16="http://schemas.microsoft.com/office/drawing/2014/main" id="{0BD680A5-3A9F-4E05-ACC7-E34CF63BD7B1}"/>
+                <a16:creationId xmlns:a16="http://schemas.microsoft.com/office/drawing/2014/main" xmlns="" id="{0BD680A5-3A9F-4E05-ACC7-E34CF63BD7B1}"/>
               </a:ext>
             </a:extLst>
           </p:cNvPr>
@@ -4980,7 +4980,7 @@
           <p:cNvPr id="37" name="TextBox 36">
             <a:extLst>
               <a:ext uri="{FF2B5EF4-FFF2-40B4-BE49-F238E27FC236}">
-                <a16:creationId xmlns:a16="http://schemas.microsoft.com/office/drawing/2014/main" id="{68F34BE4-277C-48BF-8C74-016919844031}"/>
+                <a16:creationId xmlns:a16="http://schemas.microsoft.com/office/drawing/2014/main" xmlns="" id="{68F34BE4-277C-48BF-8C74-016919844031}"/>
               </a:ext>
             </a:extLst>
           </p:cNvPr>
@@ -5015,7 +5015,7 @@
           <p:cNvPr id="46" name="Straight Connector 45">
             <a:extLst>
               <a:ext uri="{FF2B5EF4-FFF2-40B4-BE49-F238E27FC236}">
-                <a16:creationId xmlns:a16="http://schemas.microsoft.com/office/drawing/2014/main" id="{8ECE683D-B3D1-4748-83C9-83F7872B270C}"/>
+                <a16:creationId xmlns:a16="http://schemas.microsoft.com/office/drawing/2014/main" xmlns="" id="{8ECE683D-B3D1-4748-83C9-83F7872B270C}"/>
               </a:ext>
             </a:extLst>
           </p:cNvPr>
@@ -5058,7 +5058,7 @@
           <p:cNvPr id="47" name="TextBox 46">
             <a:extLst>
               <a:ext uri="{FF2B5EF4-FFF2-40B4-BE49-F238E27FC236}">
-                <a16:creationId xmlns:a16="http://schemas.microsoft.com/office/drawing/2014/main" id="{ABDC0469-5FF8-4EED-A756-DA97E35049B5}"/>
+                <a16:creationId xmlns:a16="http://schemas.microsoft.com/office/drawing/2014/main" xmlns="" id="{ABDC0469-5FF8-4EED-A756-DA97E35049B5}"/>
               </a:ext>
             </a:extLst>
           </p:cNvPr>
@@ -5093,7 +5093,7 @@
           <p:cNvPr id="48" name="TextBox 47">
             <a:extLst>
               <a:ext uri="{FF2B5EF4-FFF2-40B4-BE49-F238E27FC236}">
-                <a16:creationId xmlns:a16="http://schemas.microsoft.com/office/drawing/2014/main" id="{1EDAA539-9C3A-40CC-9017-A7842D169126}"/>
+                <a16:creationId xmlns:a16="http://schemas.microsoft.com/office/drawing/2014/main" xmlns="" id="{1EDAA539-9C3A-40CC-9017-A7842D169126}"/>
               </a:ext>
             </a:extLst>
           </p:cNvPr>
@@ -5128,7 +5128,7 @@
           <p:cNvPr id="49" name="TextBox 48">
             <a:extLst>
               <a:ext uri="{FF2B5EF4-FFF2-40B4-BE49-F238E27FC236}">
-                <a16:creationId xmlns:a16="http://schemas.microsoft.com/office/drawing/2014/main" id="{7FBEDA7B-E278-4541-B107-7A426411C67D}"/>
+                <a16:creationId xmlns:a16="http://schemas.microsoft.com/office/drawing/2014/main" xmlns="" id="{7FBEDA7B-E278-4541-B107-7A426411C67D}"/>
               </a:ext>
             </a:extLst>
           </p:cNvPr>
@@ -5163,7 +5163,7 @@
           <p:cNvPr id="51" name="TextBox 50">
             <a:extLst>
               <a:ext uri="{FF2B5EF4-FFF2-40B4-BE49-F238E27FC236}">
-                <a16:creationId xmlns:a16="http://schemas.microsoft.com/office/drawing/2014/main" id="{5BB4CA37-2C9B-473D-90F0-1C9696C20CE9}"/>
+                <a16:creationId xmlns:a16="http://schemas.microsoft.com/office/drawing/2014/main" xmlns="" id="{5BB4CA37-2C9B-473D-90F0-1C9696C20CE9}"/>
               </a:ext>
             </a:extLst>
           </p:cNvPr>
@@ -5198,7 +5198,7 @@
           <p:cNvPr id="52" name="TextBox 51">
             <a:extLst>
               <a:ext uri="{FF2B5EF4-FFF2-40B4-BE49-F238E27FC236}">
-                <a16:creationId xmlns:a16="http://schemas.microsoft.com/office/drawing/2014/main" id="{B12F51A3-7D31-428F-8EDB-6574553240D1}"/>
+                <a16:creationId xmlns:a16="http://schemas.microsoft.com/office/drawing/2014/main" xmlns="" id="{B12F51A3-7D31-428F-8EDB-6574553240D1}"/>
               </a:ext>
             </a:extLst>
           </p:cNvPr>
@@ -5233,7 +5233,7 @@
           <p:cNvPr id="53" name="TextBox 52">
             <a:extLst>
               <a:ext uri="{FF2B5EF4-FFF2-40B4-BE49-F238E27FC236}">
-                <a16:creationId xmlns:a16="http://schemas.microsoft.com/office/drawing/2014/main" id="{10F9B6EE-6F51-4D4B-82A4-63BE701D563B}"/>
+                <a16:creationId xmlns:a16="http://schemas.microsoft.com/office/drawing/2014/main" xmlns="" id="{10F9B6EE-6F51-4D4B-82A4-63BE701D563B}"/>
               </a:ext>
             </a:extLst>
           </p:cNvPr>
@@ -5242,8 +5242,8 @@
         </p:nvSpPr>
         <p:spPr>
           <a:xfrm>
-            <a:off x="3256801" y="3803812"/>
-            <a:ext cx="2453103" cy="923330"/>
+            <a:off x="3256801" y="4064632"/>
+            <a:ext cx="2453103" cy="369332"/>
           </a:xfrm>
           <a:prstGeom prst="rect">
             <a:avLst/>
@@ -5271,19 +5271,13 @@
             </a:r>
             <a:r>
               <a:rPr lang="en-US" dirty="0"/>
-              <a:t> bond</a:t>
-            </a:r>
-          </a:p>
-          <a:p>
-            <a:pPr algn="ctr"/>
+              <a:t> </a:t>
+            </a:r>
+            <a:r>
+              <a:rPr lang="en-US" dirty="0" smtClean="0"/>
+              <a:t>bond</a:t>
+            </a:r>
             <a:endParaRPr lang="en-US" dirty="0"/>
-          </a:p>
-          <a:p>
-            <a:pPr algn="ctr"/>
-            <a:r>
-              <a:rPr lang="en-US" dirty="0"/>
-              <a:t>Cellobiose</a:t>
-            </a:r>
           </a:p>
         </p:txBody>
       </p:sp>
@@ -5292,7 +5286,7 @@
           <p:cNvPr id="54" name="Straight Arrow Connector 53">
             <a:extLst>
               <a:ext uri="{FF2B5EF4-FFF2-40B4-BE49-F238E27FC236}">
-                <a16:creationId xmlns:a16="http://schemas.microsoft.com/office/drawing/2014/main" id="{2874432E-3A75-4C69-971E-78DCA2B5961A}"/>
+                <a16:creationId xmlns:a16="http://schemas.microsoft.com/office/drawing/2014/main" xmlns="" id="{2874432E-3A75-4C69-971E-78DCA2B5961A}"/>
               </a:ext>
             </a:extLst>
           </p:cNvPr>
@@ -5303,8 +5297,8 @@
         </p:nvCxnSpPr>
         <p:spPr>
           <a:xfrm flipV="1">
-            <a:off x="4335356" y="2606732"/>
-            <a:ext cx="82097" cy="1150791"/>
+            <a:off x="4297389" y="2606733"/>
+            <a:ext cx="120064" cy="1407706"/>
           </a:xfrm>
           <a:prstGeom prst="straightConnector1">
             <a:avLst/>
@@ -5336,7 +5330,7 @@
           <p:cNvPr id="60" name="TextBox 59">
             <a:extLst>
               <a:ext uri="{FF2B5EF4-FFF2-40B4-BE49-F238E27FC236}">
-                <a16:creationId xmlns:a16="http://schemas.microsoft.com/office/drawing/2014/main" id="{490E7664-B324-4591-9178-EFAD1D27B137}"/>
+                <a16:creationId xmlns:a16="http://schemas.microsoft.com/office/drawing/2014/main" xmlns="" id="{490E7664-B324-4591-9178-EFAD1D27B137}"/>
               </a:ext>
             </a:extLst>
           </p:cNvPr>
@@ -5345,7 +5339,7 @@
         </p:nvSpPr>
         <p:spPr>
           <a:xfrm>
-            <a:off x="2297470" y="5623560"/>
+            <a:off x="2297470" y="4838111"/>
             <a:ext cx="4963609" cy="369332"/>
           </a:xfrm>
           <a:prstGeom prst="rect">
@@ -5455,7 +5449,7 @@
     </a:clrScheme>
     <a:fontScheme name="Office">
       <a:majorFont>
-        <a:latin typeface="Calibri Light" panose="020F0302020204030204"/>
+        <a:latin typeface="Calibri Light"/>
         <a:ea typeface=""/>
         <a:cs typeface=""/>
         <a:font script="Jpan" typeface="游ゴシック Light"/>
@@ -5507,7 +5501,7 @@
         <a:font script="Tfng" typeface="Ebrima"/>
       </a:majorFont>
       <a:minorFont>
-        <a:latin typeface="Calibri" panose="020F0502020204030204"/>
+        <a:latin typeface="Calibri"/>
         <a:ea typeface=""/>
         <a:cs typeface=""/>
         <a:font script="Jpan" typeface="游ゴシック"/>
@@ -5701,7 +5695,7 @@
   <a:extraClrSchemeLst/>
   <a:extLst>
     <a:ext uri="{05A4C25C-085E-4340-85A3-A5531E510DB2}">
-      <thm15:themeFamily xmlns:thm15="http://schemas.microsoft.com/office/thememl/2012/main" name="Office Theme" id="{62F939B6-93AF-4DB8-9C6B-D6C7DFDC589F}" vid="{4A3C46E8-61CC-4603-A589-7422A47A8E4A}"/>
+      <thm15:themeFamily xmlns:thm15="http://schemas.microsoft.com/office/thememl/2012/main" xmlns="" name="Office Theme" id="{62F939B6-93AF-4DB8-9C6B-D6C7DFDC589F}" vid="{4A3C46E8-61CC-4603-A589-7422A47A8E4A}"/>
     </a:ext>
   </a:extLst>
 </a:theme>

--- a/docs/images/glycosidic_linkage_cellobiose.pptx
+++ b/docs/images/glycosidic_linkage_cellobiose.pptx
@@ -129,7 +129,7 @@
           <p:cNvPr id="2" name="Title 1">
             <a:extLst>
               <a:ext uri="{FF2B5EF4-FFF2-40B4-BE49-F238E27FC236}">
-                <a16:creationId xmlns:a16="http://schemas.microsoft.com/office/drawing/2014/main" xmlns="" id="{C2998CE9-162A-4297-904F-A79A20BCC7AD}"/>
+                <a16:creationId xmlns="" xmlns:a16="http://schemas.microsoft.com/office/drawing/2014/main" id="{C2998CE9-162A-4297-904F-A79A20BCC7AD}"/>
               </a:ext>
             </a:extLst>
           </p:cNvPr>
@@ -167,7 +167,7 @@
           <p:cNvPr id="3" name="Subtitle 2">
             <a:extLst>
               <a:ext uri="{FF2B5EF4-FFF2-40B4-BE49-F238E27FC236}">
-                <a16:creationId xmlns:a16="http://schemas.microsoft.com/office/drawing/2014/main" xmlns="" id="{348A88A9-668D-4155-8353-34A53CAFCC33}"/>
+                <a16:creationId xmlns="" xmlns:a16="http://schemas.microsoft.com/office/drawing/2014/main" id="{348A88A9-668D-4155-8353-34A53CAFCC33}"/>
               </a:ext>
             </a:extLst>
           </p:cNvPr>
@@ -238,7 +238,7 @@
           <p:cNvPr id="4" name="Date Placeholder 3">
             <a:extLst>
               <a:ext uri="{FF2B5EF4-FFF2-40B4-BE49-F238E27FC236}">
-                <a16:creationId xmlns:a16="http://schemas.microsoft.com/office/drawing/2014/main" xmlns="" id="{E27FBF9F-478D-44AF-A76A-963E0BD101DF}"/>
+                <a16:creationId xmlns="" xmlns:a16="http://schemas.microsoft.com/office/drawing/2014/main" id="{E27FBF9F-478D-44AF-A76A-963E0BD101DF}"/>
               </a:ext>
             </a:extLst>
           </p:cNvPr>
@@ -267,7 +267,7 @@
           <p:cNvPr id="5" name="Footer Placeholder 4">
             <a:extLst>
               <a:ext uri="{FF2B5EF4-FFF2-40B4-BE49-F238E27FC236}">
-                <a16:creationId xmlns:a16="http://schemas.microsoft.com/office/drawing/2014/main" xmlns="" id="{F0C21179-AA36-45DF-9D7B-E944CF4F78A8}"/>
+                <a16:creationId xmlns="" xmlns:a16="http://schemas.microsoft.com/office/drawing/2014/main" id="{F0C21179-AA36-45DF-9D7B-E944CF4F78A8}"/>
               </a:ext>
             </a:extLst>
           </p:cNvPr>
@@ -292,7 +292,7 @@
           <p:cNvPr id="6" name="Slide Number Placeholder 5">
             <a:extLst>
               <a:ext uri="{FF2B5EF4-FFF2-40B4-BE49-F238E27FC236}">
-                <a16:creationId xmlns:a16="http://schemas.microsoft.com/office/drawing/2014/main" xmlns="" id="{32A193A9-9951-4D1A-90B1-8051F2E3CA3C}"/>
+                <a16:creationId xmlns="" xmlns:a16="http://schemas.microsoft.com/office/drawing/2014/main" id="{32A193A9-9951-4D1A-90B1-8051F2E3CA3C}"/>
               </a:ext>
             </a:extLst>
           </p:cNvPr>
@@ -351,7 +351,7 @@
           <p:cNvPr id="2" name="Title 1">
             <a:extLst>
               <a:ext uri="{FF2B5EF4-FFF2-40B4-BE49-F238E27FC236}">
-                <a16:creationId xmlns:a16="http://schemas.microsoft.com/office/drawing/2014/main" xmlns="" id="{5AC6657C-F2C5-46EF-8BE2-DE98D981CFE0}"/>
+                <a16:creationId xmlns="" xmlns:a16="http://schemas.microsoft.com/office/drawing/2014/main" id="{5AC6657C-F2C5-46EF-8BE2-DE98D981CFE0}"/>
               </a:ext>
             </a:extLst>
           </p:cNvPr>
@@ -380,7 +380,7 @@
           <p:cNvPr id="3" name="Vertical Text Placeholder 2">
             <a:extLst>
               <a:ext uri="{FF2B5EF4-FFF2-40B4-BE49-F238E27FC236}">
-                <a16:creationId xmlns:a16="http://schemas.microsoft.com/office/drawing/2014/main" xmlns="" id="{D66C526B-AF90-4AAF-B1A2-2AFC4E833259}"/>
+                <a16:creationId xmlns="" xmlns:a16="http://schemas.microsoft.com/office/drawing/2014/main" id="{D66C526B-AF90-4AAF-B1A2-2AFC4E833259}"/>
               </a:ext>
             </a:extLst>
           </p:cNvPr>
@@ -438,7 +438,7 @@
           <p:cNvPr id="4" name="Date Placeholder 3">
             <a:extLst>
               <a:ext uri="{FF2B5EF4-FFF2-40B4-BE49-F238E27FC236}">
-                <a16:creationId xmlns:a16="http://schemas.microsoft.com/office/drawing/2014/main" xmlns="" id="{8CB9C230-B4C3-44DE-AB37-787EF819866E}"/>
+                <a16:creationId xmlns="" xmlns:a16="http://schemas.microsoft.com/office/drawing/2014/main" id="{8CB9C230-B4C3-44DE-AB37-787EF819866E}"/>
               </a:ext>
             </a:extLst>
           </p:cNvPr>
@@ -467,7 +467,7 @@
           <p:cNvPr id="5" name="Footer Placeholder 4">
             <a:extLst>
               <a:ext uri="{FF2B5EF4-FFF2-40B4-BE49-F238E27FC236}">
-                <a16:creationId xmlns:a16="http://schemas.microsoft.com/office/drawing/2014/main" xmlns="" id="{E758494D-59FD-4685-81BF-4DAC3ADC5794}"/>
+                <a16:creationId xmlns="" xmlns:a16="http://schemas.microsoft.com/office/drawing/2014/main" id="{E758494D-59FD-4685-81BF-4DAC3ADC5794}"/>
               </a:ext>
             </a:extLst>
           </p:cNvPr>
@@ -492,7 +492,7 @@
           <p:cNvPr id="6" name="Slide Number Placeholder 5">
             <a:extLst>
               <a:ext uri="{FF2B5EF4-FFF2-40B4-BE49-F238E27FC236}">
-                <a16:creationId xmlns:a16="http://schemas.microsoft.com/office/drawing/2014/main" xmlns="" id="{91AA4543-7CA4-4C52-9618-AECFDF87E032}"/>
+                <a16:creationId xmlns="" xmlns:a16="http://schemas.microsoft.com/office/drawing/2014/main" id="{91AA4543-7CA4-4C52-9618-AECFDF87E032}"/>
               </a:ext>
             </a:extLst>
           </p:cNvPr>
@@ -551,7 +551,7 @@
           <p:cNvPr id="2" name="Vertical Title 1">
             <a:extLst>
               <a:ext uri="{FF2B5EF4-FFF2-40B4-BE49-F238E27FC236}">
-                <a16:creationId xmlns:a16="http://schemas.microsoft.com/office/drawing/2014/main" xmlns="" id="{DA4C74E3-7A25-4EE2-80FB-48174155685D}"/>
+                <a16:creationId xmlns="" xmlns:a16="http://schemas.microsoft.com/office/drawing/2014/main" id="{DA4C74E3-7A25-4EE2-80FB-48174155685D}"/>
               </a:ext>
             </a:extLst>
           </p:cNvPr>
@@ -585,7 +585,7 @@
           <p:cNvPr id="3" name="Vertical Text Placeholder 2">
             <a:extLst>
               <a:ext uri="{FF2B5EF4-FFF2-40B4-BE49-F238E27FC236}">
-                <a16:creationId xmlns:a16="http://schemas.microsoft.com/office/drawing/2014/main" xmlns="" id="{11D55D91-F916-4609-8336-E3480E3CB36F}"/>
+                <a16:creationId xmlns="" xmlns:a16="http://schemas.microsoft.com/office/drawing/2014/main" id="{11D55D91-F916-4609-8336-E3480E3CB36F}"/>
               </a:ext>
             </a:extLst>
           </p:cNvPr>
@@ -648,7 +648,7 @@
           <p:cNvPr id="4" name="Date Placeholder 3">
             <a:extLst>
               <a:ext uri="{FF2B5EF4-FFF2-40B4-BE49-F238E27FC236}">
-                <a16:creationId xmlns:a16="http://schemas.microsoft.com/office/drawing/2014/main" xmlns="" id="{CAACCF7D-8436-4D05-9228-8E3D8CD63DEF}"/>
+                <a16:creationId xmlns="" xmlns:a16="http://schemas.microsoft.com/office/drawing/2014/main" id="{CAACCF7D-8436-4D05-9228-8E3D8CD63DEF}"/>
               </a:ext>
             </a:extLst>
           </p:cNvPr>
@@ -677,7 +677,7 @@
           <p:cNvPr id="5" name="Footer Placeholder 4">
             <a:extLst>
               <a:ext uri="{FF2B5EF4-FFF2-40B4-BE49-F238E27FC236}">
-                <a16:creationId xmlns:a16="http://schemas.microsoft.com/office/drawing/2014/main" xmlns="" id="{847886C5-731B-4A16-A2EA-037BAA44B109}"/>
+                <a16:creationId xmlns="" xmlns:a16="http://schemas.microsoft.com/office/drawing/2014/main" id="{847886C5-731B-4A16-A2EA-037BAA44B109}"/>
               </a:ext>
             </a:extLst>
           </p:cNvPr>
@@ -702,7 +702,7 @@
           <p:cNvPr id="6" name="Slide Number Placeholder 5">
             <a:extLst>
               <a:ext uri="{FF2B5EF4-FFF2-40B4-BE49-F238E27FC236}">
-                <a16:creationId xmlns:a16="http://schemas.microsoft.com/office/drawing/2014/main" xmlns="" id="{7E6F85F4-06BE-4884-8EF9-D41628CEBE2A}"/>
+                <a16:creationId xmlns="" xmlns:a16="http://schemas.microsoft.com/office/drawing/2014/main" id="{7E6F85F4-06BE-4884-8EF9-D41628CEBE2A}"/>
               </a:ext>
             </a:extLst>
           </p:cNvPr>
@@ -761,7 +761,7 @@
           <p:cNvPr id="2" name="Title 1">
             <a:extLst>
               <a:ext uri="{FF2B5EF4-FFF2-40B4-BE49-F238E27FC236}">
-                <a16:creationId xmlns:a16="http://schemas.microsoft.com/office/drawing/2014/main" xmlns="" id="{C7BF0777-1877-4260-91DC-2C420FD8FA03}"/>
+                <a16:creationId xmlns="" xmlns:a16="http://schemas.microsoft.com/office/drawing/2014/main" id="{C7BF0777-1877-4260-91DC-2C420FD8FA03}"/>
               </a:ext>
             </a:extLst>
           </p:cNvPr>
@@ -790,7 +790,7 @@
           <p:cNvPr id="3" name="Content Placeholder 2">
             <a:extLst>
               <a:ext uri="{FF2B5EF4-FFF2-40B4-BE49-F238E27FC236}">
-                <a16:creationId xmlns:a16="http://schemas.microsoft.com/office/drawing/2014/main" xmlns="" id="{D4A1406A-DBD1-494A-A370-90CC9C9525FA}"/>
+                <a16:creationId xmlns="" xmlns:a16="http://schemas.microsoft.com/office/drawing/2014/main" id="{D4A1406A-DBD1-494A-A370-90CC9C9525FA}"/>
               </a:ext>
             </a:extLst>
           </p:cNvPr>
@@ -848,7 +848,7 @@
           <p:cNvPr id="4" name="Date Placeholder 3">
             <a:extLst>
               <a:ext uri="{FF2B5EF4-FFF2-40B4-BE49-F238E27FC236}">
-                <a16:creationId xmlns:a16="http://schemas.microsoft.com/office/drawing/2014/main" xmlns="" id="{D0EEF674-321B-4207-962A-8C5F4E1FD3EC}"/>
+                <a16:creationId xmlns="" xmlns:a16="http://schemas.microsoft.com/office/drawing/2014/main" id="{D0EEF674-321B-4207-962A-8C5F4E1FD3EC}"/>
               </a:ext>
             </a:extLst>
           </p:cNvPr>
@@ -877,7 +877,7 @@
           <p:cNvPr id="5" name="Footer Placeholder 4">
             <a:extLst>
               <a:ext uri="{FF2B5EF4-FFF2-40B4-BE49-F238E27FC236}">
-                <a16:creationId xmlns:a16="http://schemas.microsoft.com/office/drawing/2014/main" xmlns="" id="{6823B002-1BAE-4030-9422-1E24270680E8}"/>
+                <a16:creationId xmlns="" xmlns:a16="http://schemas.microsoft.com/office/drawing/2014/main" id="{6823B002-1BAE-4030-9422-1E24270680E8}"/>
               </a:ext>
             </a:extLst>
           </p:cNvPr>
@@ -902,7 +902,7 @@
           <p:cNvPr id="6" name="Slide Number Placeholder 5">
             <a:extLst>
               <a:ext uri="{FF2B5EF4-FFF2-40B4-BE49-F238E27FC236}">
-                <a16:creationId xmlns:a16="http://schemas.microsoft.com/office/drawing/2014/main" xmlns="" id="{D97D97E5-D393-4E71-A321-DDE15284AE0C}"/>
+                <a16:creationId xmlns="" xmlns:a16="http://schemas.microsoft.com/office/drawing/2014/main" id="{D97D97E5-D393-4E71-A321-DDE15284AE0C}"/>
               </a:ext>
             </a:extLst>
           </p:cNvPr>
@@ -961,7 +961,7 @@
           <p:cNvPr id="2" name="Title 1">
             <a:extLst>
               <a:ext uri="{FF2B5EF4-FFF2-40B4-BE49-F238E27FC236}">
-                <a16:creationId xmlns:a16="http://schemas.microsoft.com/office/drawing/2014/main" xmlns="" id="{A45C6595-EE46-4B86-A7DF-8B54B5BB1090}"/>
+                <a16:creationId xmlns="" xmlns:a16="http://schemas.microsoft.com/office/drawing/2014/main" id="{A45C6595-EE46-4B86-A7DF-8B54B5BB1090}"/>
               </a:ext>
             </a:extLst>
           </p:cNvPr>
@@ -999,7 +999,7 @@
           <p:cNvPr id="3" name="Text Placeholder 2">
             <a:extLst>
               <a:ext uri="{FF2B5EF4-FFF2-40B4-BE49-F238E27FC236}">
-                <a16:creationId xmlns:a16="http://schemas.microsoft.com/office/drawing/2014/main" xmlns="" id="{BDA8031F-2857-4C01-B025-E401717FB6FC}"/>
+                <a16:creationId xmlns="" xmlns:a16="http://schemas.microsoft.com/office/drawing/2014/main" id="{BDA8031F-2857-4C01-B025-E401717FB6FC}"/>
               </a:ext>
             </a:extLst>
           </p:cNvPr>
@@ -1124,7 +1124,7 @@
           <p:cNvPr id="4" name="Date Placeholder 3">
             <a:extLst>
               <a:ext uri="{FF2B5EF4-FFF2-40B4-BE49-F238E27FC236}">
-                <a16:creationId xmlns:a16="http://schemas.microsoft.com/office/drawing/2014/main" xmlns="" id="{08B11195-ED88-4641-AB77-6B5326D33E9D}"/>
+                <a16:creationId xmlns="" xmlns:a16="http://schemas.microsoft.com/office/drawing/2014/main" id="{08B11195-ED88-4641-AB77-6B5326D33E9D}"/>
               </a:ext>
             </a:extLst>
           </p:cNvPr>
@@ -1153,7 +1153,7 @@
           <p:cNvPr id="5" name="Footer Placeholder 4">
             <a:extLst>
               <a:ext uri="{FF2B5EF4-FFF2-40B4-BE49-F238E27FC236}">
-                <a16:creationId xmlns:a16="http://schemas.microsoft.com/office/drawing/2014/main" xmlns="" id="{23A735FB-47EF-4C1E-B291-5BC3224D2BA4}"/>
+                <a16:creationId xmlns="" xmlns:a16="http://schemas.microsoft.com/office/drawing/2014/main" id="{23A735FB-47EF-4C1E-B291-5BC3224D2BA4}"/>
               </a:ext>
             </a:extLst>
           </p:cNvPr>
@@ -1178,7 +1178,7 @@
           <p:cNvPr id="6" name="Slide Number Placeholder 5">
             <a:extLst>
               <a:ext uri="{FF2B5EF4-FFF2-40B4-BE49-F238E27FC236}">
-                <a16:creationId xmlns:a16="http://schemas.microsoft.com/office/drawing/2014/main" xmlns="" id="{C84C8DD7-9F18-4790-95C4-C5D4E47983BB}"/>
+                <a16:creationId xmlns="" xmlns:a16="http://schemas.microsoft.com/office/drawing/2014/main" id="{C84C8DD7-9F18-4790-95C4-C5D4E47983BB}"/>
               </a:ext>
             </a:extLst>
           </p:cNvPr>
@@ -1237,7 +1237,7 @@
           <p:cNvPr id="2" name="Title 1">
             <a:extLst>
               <a:ext uri="{FF2B5EF4-FFF2-40B4-BE49-F238E27FC236}">
-                <a16:creationId xmlns:a16="http://schemas.microsoft.com/office/drawing/2014/main" xmlns="" id="{5139FAC1-C13A-44A1-993E-93EE2962B7EC}"/>
+                <a16:creationId xmlns="" xmlns:a16="http://schemas.microsoft.com/office/drawing/2014/main" id="{5139FAC1-C13A-44A1-993E-93EE2962B7EC}"/>
               </a:ext>
             </a:extLst>
           </p:cNvPr>
@@ -1266,7 +1266,7 @@
           <p:cNvPr id="3" name="Content Placeholder 2">
             <a:extLst>
               <a:ext uri="{FF2B5EF4-FFF2-40B4-BE49-F238E27FC236}">
-                <a16:creationId xmlns:a16="http://schemas.microsoft.com/office/drawing/2014/main" xmlns="" id="{9EF5A2F2-2900-43B6-801B-10B1FA1CC450}"/>
+                <a16:creationId xmlns="" xmlns:a16="http://schemas.microsoft.com/office/drawing/2014/main" id="{9EF5A2F2-2900-43B6-801B-10B1FA1CC450}"/>
               </a:ext>
             </a:extLst>
           </p:cNvPr>
@@ -1329,7 +1329,7 @@
           <p:cNvPr id="4" name="Content Placeholder 3">
             <a:extLst>
               <a:ext uri="{FF2B5EF4-FFF2-40B4-BE49-F238E27FC236}">
-                <a16:creationId xmlns:a16="http://schemas.microsoft.com/office/drawing/2014/main" xmlns="" id="{97626989-4248-44C1-B990-8F36DFB62676}"/>
+                <a16:creationId xmlns="" xmlns:a16="http://schemas.microsoft.com/office/drawing/2014/main" id="{97626989-4248-44C1-B990-8F36DFB62676}"/>
               </a:ext>
             </a:extLst>
           </p:cNvPr>
@@ -1392,7 +1392,7 @@
           <p:cNvPr id="5" name="Date Placeholder 4">
             <a:extLst>
               <a:ext uri="{FF2B5EF4-FFF2-40B4-BE49-F238E27FC236}">
-                <a16:creationId xmlns:a16="http://schemas.microsoft.com/office/drawing/2014/main" xmlns="" id="{2F6D1EC9-4583-4371-9D56-135F522F61A8}"/>
+                <a16:creationId xmlns="" xmlns:a16="http://schemas.microsoft.com/office/drawing/2014/main" id="{2F6D1EC9-4583-4371-9D56-135F522F61A8}"/>
               </a:ext>
             </a:extLst>
           </p:cNvPr>
@@ -1421,7 +1421,7 @@
           <p:cNvPr id="6" name="Footer Placeholder 5">
             <a:extLst>
               <a:ext uri="{FF2B5EF4-FFF2-40B4-BE49-F238E27FC236}">
-                <a16:creationId xmlns:a16="http://schemas.microsoft.com/office/drawing/2014/main" xmlns="" id="{57963970-43B1-41AC-85B2-7BB3ACD671BF}"/>
+                <a16:creationId xmlns="" xmlns:a16="http://schemas.microsoft.com/office/drawing/2014/main" id="{57963970-43B1-41AC-85B2-7BB3ACD671BF}"/>
               </a:ext>
             </a:extLst>
           </p:cNvPr>
@@ -1446,7 +1446,7 @@
           <p:cNvPr id="7" name="Slide Number Placeholder 6">
             <a:extLst>
               <a:ext uri="{FF2B5EF4-FFF2-40B4-BE49-F238E27FC236}">
-                <a16:creationId xmlns:a16="http://schemas.microsoft.com/office/drawing/2014/main" xmlns="" id="{D4895FC2-6617-45DB-8012-8BBABFB34F7F}"/>
+                <a16:creationId xmlns="" xmlns:a16="http://schemas.microsoft.com/office/drawing/2014/main" id="{D4895FC2-6617-45DB-8012-8BBABFB34F7F}"/>
               </a:ext>
             </a:extLst>
           </p:cNvPr>
@@ -1505,7 +1505,7 @@
           <p:cNvPr id="2" name="Title 1">
             <a:extLst>
               <a:ext uri="{FF2B5EF4-FFF2-40B4-BE49-F238E27FC236}">
-                <a16:creationId xmlns:a16="http://schemas.microsoft.com/office/drawing/2014/main" xmlns="" id="{26B24422-3D8E-430E-9790-4849BDD66F47}"/>
+                <a16:creationId xmlns="" xmlns:a16="http://schemas.microsoft.com/office/drawing/2014/main" id="{26B24422-3D8E-430E-9790-4849BDD66F47}"/>
               </a:ext>
             </a:extLst>
           </p:cNvPr>
@@ -1539,7 +1539,7 @@
           <p:cNvPr id="3" name="Text Placeholder 2">
             <a:extLst>
               <a:ext uri="{FF2B5EF4-FFF2-40B4-BE49-F238E27FC236}">
-                <a16:creationId xmlns:a16="http://schemas.microsoft.com/office/drawing/2014/main" xmlns="" id="{F344B502-2F3A-4C8E-BB65-E3D03DE35AEF}"/>
+                <a16:creationId xmlns="" xmlns:a16="http://schemas.microsoft.com/office/drawing/2014/main" id="{F344B502-2F3A-4C8E-BB65-E3D03DE35AEF}"/>
               </a:ext>
             </a:extLst>
           </p:cNvPr>
@@ -1610,7 +1610,7 @@
           <p:cNvPr id="4" name="Content Placeholder 3">
             <a:extLst>
               <a:ext uri="{FF2B5EF4-FFF2-40B4-BE49-F238E27FC236}">
-                <a16:creationId xmlns:a16="http://schemas.microsoft.com/office/drawing/2014/main" xmlns="" id="{AE3DA0F9-78F6-4DC1-AD6C-8C07DA953DCC}"/>
+                <a16:creationId xmlns="" xmlns:a16="http://schemas.microsoft.com/office/drawing/2014/main" id="{AE3DA0F9-78F6-4DC1-AD6C-8C07DA953DCC}"/>
               </a:ext>
             </a:extLst>
           </p:cNvPr>
@@ -1673,7 +1673,7 @@
           <p:cNvPr id="5" name="Text Placeholder 4">
             <a:extLst>
               <a:ext uri="{FF2B5EF4-FFF2-40B4-BE49-F238E27FC236}">
-                <a16:creationId xmlns:a16="http://schemas.microsoft.com/office/drawing/2014/main" xmlns="" id="{7FA68F9B-D32E-45FE-8F04-0B20F38566B4}"/>
+                <a16:creationId xmlns="" xmlns:a16="http://schemas.microsoft.com/office/drawing/2014/main" id="{7FA68F9B-D32E-45FE-8F04-0B20F38566B4}"/>
               </a:ext>
             </a:extLst>
           </p:cNvPr>
@@ -1744,7 +1744,7 @@
           <p:cNvPr id="6" name="Content Placeholder 5">
             <a:extLst>
               <a:ext uri="{FF2B5EF4-FFF2-40B4-BE49-F238E27FC236}">
-                <a16:creationId xmlns:a16="http://schemas.microsoft.com/office/drawing/2014/main" xmlns="" id="{DE1719C9-18C6-4F1D-9040-F95268570AE1}"/>
+                <a16:creationId xmlns="" xmlns:a16="http://schemas.microsoft.com/office/drawing/2014/main" id="{DE1719C9-18C6-4F1D-9040-F95268570AE1}"/>
               </a:ext>
             </a:extLst>
           </p:cNvPr>
@@ -1807,7 +1807,7 @@
           <p:cNvPr id="7" name="Date Placeholder 6">
             <a:extLst>
               <a:ext uri="{FF2B5EF4-FFF2-40B4-BE49-F238E27FC236}">
-                <a16:creationId xmlns:a16="http://schemas.microsoft.com/office/drawing/2014/main" xmlns="" id="{61336AE5-1256-4BAE-ADA5-E5D018010508}"/>
+                <a16:creationId xmlns="" xmlns:a16="http://schemas.microsoft.com/office/drawing/2014/main" id="{61336AE5-1256-4BAE-ADA5-E5D018010508}"/>
               </a:ext>
             </a:extLst>
           </p:cNvPr>
@@ -1836,7 +1836,7 @@
           <p:cNvPr id="8" name="Footer Placeholder 7">
             <a:extLst>
               <a:ext uri="{FF2B5EF4-FFF2-40B4-BE49-F238E27FC236}">
-                <a16:creationId xmlns:a16="http://schemas.microsoft.com/office/drawing/2014/main" xmlns="" id="{C8CD67F6-8AE1-4EBF-91ED-70FC7756B389}"/>
+                <a16:creationId xmlns="" xmlns:a16="http://schemas.microsoft.com/office/drawing/2014/main" id="{C8CD67F6-8AE1-4EBF-91ED-70FC7756B389}"/>
               </a:ext>
             </a:extLst>
           </p:cNvPr>
@@ -1861,7 +1861,7 @@
           <p:cNvPr id="9" name="Slide Number Placeholder 8">
             <a:extLst>
               <a:ext uri="{FF2B5EF4-FFF2-40B4-BE49-F238E27FC236}">
-                <a16:creationId xmlns:a16="http://schemas.microsoft.com/office/drawing/2014/main" xmlns="" id="{C321D20A-7542-4762-A11D-67B52148D343}"/>
+                <a16:creationId xmlns="" xmlns:a16="http://schemas.microsoft.com/office/drawing/2014/main" id="{C321D20A-7542-4762-A11D-67B52148D343}"/>
               </a:ext>
             </a:extLst>
           </p:cNvPr>
@@ -1920,7 +1920,7 @@
           <p:cNvPr id="2" name="Title 1">
             <a:extLst>
               <a:ext uri="{FF2B5EF4-FFF2-40B4-BE49-F238E27FC236}">
-                <a16:creationId xmlns:a16="http://schemas.microsoft.com/office/drawing/2014/main" xmlns="" id="{1A1CF898-B4B2-485C-A250-BCFE88D69448}"/>
+                <a16:creationId xmlns="" xmlns:a16="http://schemas.microsoft.com/office/drawing/2014/main" id="{1A1CF898-B4B2-485C-A250-BCFE88D69448}"/>
               </a:ext>
             </a:extLst>
           </p:cNvPr>
@@ -1949,7 +1949,7 @@
           <p:cNvPr id="3" name="Date Placeholder 2">
             <a:extLst>
               <a:ext uri="{FF2B5EF4-FFF2-40B4-BE49-F238E27FC236}">
-                <a16:creationId xmlns:a16="http://schemas.microsoft.com/office/drawing/2014/main" xmlns="" id="{3EEA4EE7-D042-429C-803D-1F82F8071F30}"/>
+                <a16:creationId xmlns="" xmlns:a16="http://schemas.microsoft.com/office/drawing/2014/main" id="{3EEA4EE7-D042-429C-803D-1F82F8071F30}"/>
               </a:ext>
             </a:extLst>
           </p:cNvPr>
@@ -1978,7 +1978,7 @@
           <p:cNvPr id="4" name="Footer Placeholder 3">
             <a:extLst>
               <a:ext uri="{FF2B5EF4-FFF2-40B4-BE49-F238E27FC236}">
-                <a16:creationId xmlns:a16="http://schemas.microsoft.com/office/drawing/2014/main" xmlns="" id="{6DD3ECAB-1CDE-4AD0-A0DF-482F2B1F202D}"/>
+                <a16:creationId xmlns="" xmlns:a16="http://schemas.microsoft.com/office/drawing/2014/main" id="{6DD3ECAB-1CDE-4AD0-A0DF-482F2B1F202D}"/>
               </a:ext>
             </a:extLst>
           </p:cNvPr>
@@ -2003,7 +2003,7 @@
           <p:cNvPr id="5" name="Slide Number Placeholder 4">
             <a:extLst>
               <a:ext uri="{FF2B5EF4-FFF2-40B4-BE49-F238E27FC236}">
-                <a16:creationId xmlns:a16="http://schemas.microsoft.com/office/drawing/2014/main" xmlns="" id="{9DFAE654-807F-4AD2-959C-0A973E27049D}"/>
+                <a16:creationId xmlns="" xmlns:a16="http://schemas.microsoft.com/office/drawing/2014/main" id="{9DFAE654-807F-4AD2-959C-0A973E27049D}"/>
               </a:ext>
             </a:extLst>
           </p:cNvPr>
@@ -2062,7 +2062,7 @@
           <p:cNvPr id="2" name="Date Placeholder 1">
             <a:extLst>
               <a:ext uri="{FF2B5EF4-FFF2-40B4-BE49-F238E27FC236}">
-                <a16:creationId xmlns:a16="http://schemas.microsoft.com/office/drawing/2014/main" xmlns="" id="{07A03801-365F-4AE6-A7B9-2FCFE7F96952}"/>
+                <a16:creationId xmlns="" xmlns:a16="http://schemas.microsoft.com/office/drawing/2014/main" id="{07A03801-365F-4AE6-A7B9-2FCFE7F96952}"/>
               </a:ext>
             </a:extLst>
           </p:cNvPr>
@@ -2091,7 +2091,7 @@
           <p:cNvPr id="3" name="Footer Placeholder 2">
             <a:extLst>
               <a:ext uri="{FF2B5EF4-FFF2-40B4-BE49-F238E27FC236}">
-                <a16:creationId xmlns:a16="http://schemas.microsoft.com/office/drawing/2014/main" xmlns="" id="{06395C4B-248A-4E92-941B-2438EBA3BAB3}"/>
+                <a16:creationId xmlns="" xmlns:a16="http://schemas.microsoft.com/office/drawing/2014/main" id="{06395C4B-248A-4E92-941B-2438EBA3BAB3}"/>
               </a:ext>
             </a:extLst>
           </p:cNvPr>
@@ -2116,7 +2116,7 @@
           <p:cNvPr id="4" name="Slide Number Placeholder 3">
             <a:extLst>
               <a:ext uri="{FF2B5EF4-FFF2-40B4-BE49-F238E27FC236}">
-                <a16:creationId xmlns:a16="http://schemas.microsoft.com/office/drawing/2014/main" xmlns="" id="{37880BDE-FB9D-4E17-AF2C-CC26F62ED7FA}"/>
+                <a16:creationId xmlns="" xmlns:a16="http://schemas.microsoft.com/office/drawing/2014/main" id="{37880BDE-FB9D-4E17-AF2C-CC26F62ED7FA}"/>
               </a:ext>
             </a:extLst>
           </p:cNvPr>
@@ -2175,7 +2175,7 @@
           <p:cNvPr id="2" name="Title 1">
             <a:extLst>
               <a:ext uri="{FF2B5EF4-FFF2-40B4-BE49-F238E27FC236}">
-                <a16:creationId xmlns:a16="http://schemas.microsoft.com/office/drawing/2014/main" xmlns="" id="{23B9ACD2-9FC7-42A2-A44C-A0228F606A2C}"/>
+                <a16:creationId xmlns="" xmlns:a16="http://schemas.microsoft.com/office/drawing/2014/main" id="{23B9ACD2-9FC7-42A2-A44C-A0228F606A2C}"/>
               </a:ext>
             </a:extLst>
           </p:cNvPr>
@@ -2213,7 +2213,7 @@
           <p:cNvPr id="3" name="Content Placeholder 2">
             <a:extLst>
               <a:ext uri="{FF2B5EF4-FFF2-40B4-BE49-F238E27FC236}">
-                <a16:creationId xmlns:a16="http://schemas.microsoft.com/office/drawing/2014/main" xmlns="" id="{A6849004-2BE1-42C2-83BF-05FDD887C9BE}"/>
+                <a16:creationId xmlns="" xmlns:a16="http://schemas.microsoft.com/office/drawing/2014/main" id="{A6849004-2BE1-42C2-83BF-05FDD887C9BE}"/>
               </a:ext>
             </a:extLst>
           </p:cNvPr>
@@ -2304,7 +2304,7 @@
           <p:cNvPr id="4" name="Text Placeholder 3">
             <a:extLst>
               <a:ext uri="{FF2B5EF4-FFF2-40B4-BE49-F238E27FC236}">
-                <a16:creationId xmlns:a16="http://schemas.microsoft.com/office/drawing/2014/main" xmlns="" id="{E655C51C-6C5B-4F6C-AE4B-45E402AD2A9F}"/>
+                <a16:creationId xmlns="" xmlns:a16="http://schemas.microsoft.com/office/drawing/2014/main" id="{E655C51C-6C5B-4F6C-AE4B-45E402AD2A9F}"/>
               </a:ext>
             </a:extLst>
           </p:cNvPr>
@@ -2375,7 +2375,7 @@
           <p:cNvPr id="5" name="Date Placeholder 4">
             <a:extLst>
               <a:ext uri="{FF2B5EF4-FFF2-40B4-BE49-F238E27FC236}">
-                <a16:creationId xmlns:a16="http://schemas.microsoft.com/office/drawing/2014/main" xmlns="" id="{2820FD7B-EADB-4589-80A8-665B38B4D8C9}"/>
+                <a16:creationId xmlns="" xmlns:a16="http://schemas.microsoft.com/office/drawing/2014/main" id="{2820FD7B-EADB-4589-80A8-665B38B4D8C9}"/>
               </a:ext>
             </a:extLst>
           </p:cNvPr>
@@ -2404,7 +2404,7 @@
           <p:cNvPr id="6" name="Footer Placeholder 5">
             <a:extLst>
               <a:ext uri="{FF2B5EF4-FFF2-40B4-BE49-F238E27FC236}">
-                <a16:creationId xmlns:a16="http://schemas.microsoft.com/office/drawing/2014/main" xmlns="" id="{7B073845-F5F8-4A77-9B97-750BF8DBB229}"/>
+                <a16:creationId xmlns="" xmlns:a16="http://schemas.microsoft.com/office/drawing/2014/main" id="{7B073845-F5F8-4A77-9B97-750BF8DBB229}"/>
               </a:ext>
             </a:extLst>
           </p:cNvPr>
@@ -2429,7 +2429,7 @@
           <p:cNvPr id="7" name="Slide Number Placeholder 6">
             <a:extLst>
               <a:ext uri="{FF2B5EF4-FFF2-40B4-BE49-F238E27FC236}">
-                <a16:creationId xmlns:a16="http://schemas.microsoft.com/office/drawing/2014/main" xmlns="" id="{B4306E81-F7C9-4906-9414-91923B5A9383}"/>
+                <a16:creationId xmlns="" xmlns:a16="http://schemas.microsoft.com/office/drawing/2014/main" id="{B4306E81-F7C9-4906-9414-91923B5A9383}"/>
               </a:ext>
             </a:extLst>
           </p:cNvPr>
@@ -2488,7 +2488,7 @@
           <p:cNvPr id="2" name="Title 1">
             <a:extLst>
               <a:ext uri="{FF2B5EF4-FFF2-40B4-BE49-F238E27FC236}">
-                <a16:creationId xmlns:a16="http://schemas.microsoft.com/office/drawing/2014/main" xmlns="" id="{63A76697-BC9C-4D73-9639-9729BE7D3F12}"/>
+                <a16:creationId xmlns="" xmlns:a16="http://schemas.microsoft.com/office/drawing/2014/main" id="{63A76697-BC9C-4D73-9639-9729BE7D3F12}"/>
               </a:ext>
             </a:extLst>
           </p:cNvPr>
@@ -2526,7 +2526,7 @@
           <p:cNvPr id="3" name="Picture Placeholder 2">
             <a:extLst>
               <a:ext uri="{FF2B5EF4-FFF2-40B4-BE49-F238E27FC236}">
-                <a16:creationId xmlns:a16="http://schemas.microsoft.com/office/drawing/2014/main" xmlns="" id="{E6AF6352-DDBA-4B06-96E7-F0D96977B3F7}"/>
+                <a16:creationId xmlns="" xmlns:a16="http://schemas.microsoft.com/office/drawing/2014/main" id="{E6AF6352-DDBA-4B06-96E7-F0D96977B3F7}"/>
               </a:ext>
             </a:extLst>
           </p:cNvPr>
@@ -2593,7 +2593,7 @@
           <p:cNvPr id="4" name="Text Placeholder 3">
             <a:extLst>
               <a:ext uri="{FF2B5EF4-FFF2-40B4-BE49-F238E27FC236}">
-                <a16:creationId xmlns:a16="http://schemas.microsoft.com/office/drawing/2014/main" xmlns="" id="{6CE63274-142E-47D5-A3DA-59D081CC33BE}"/>
+                <a16:creationId xmlns="" xmlns:a16="http://schemas.microsoft.com/office/drawing/2014/main" id="{6CE63274-142E-47D5-A3DA-59D081CC33BE}"/>
               </a:ext>
             </a:extLst>
           </p:cNvPr>
@@ -2664,7 +2664,7 @@
           <p:cNvPr id="5" name="Date Placeholder 4">
             <a:extLst>
               <a:ext uri="{FF2B5EF4-FFF2-40B4-BE49-F238E27FC236}">
-                <a16:creationId xmlns:a16="http://schemas.microsoft.com/office/drawing/2014/main" xmlns="" id="{30BF2B50-6384-4720-BDF5-A85444670763}"/>
+                <a16:creationId xmlns="" xmlns:a16="http://schemas.microsoft.com/office/drawing/2014/main" id="{30BF2B50-6384-4720-BDF5-A85444670763}"/>
               </a:ext>
             </a:extLst>
           </p:cNvPr>
@@ -2693,7 +2693,7 @@
           <p:cNvPr id="6" name="Footer Placeholder 5">
             <a:extLst>
               <a:ext uri="{FF2B5EF4-FFF2-40B4-BE49-F238E27FC236}">
-                <a16:creationId xmlns:a16="http://schemas.microsoft.com/office/drawing/2014/main" xmlns="" id="{5D6A65DB-74D7-4BBD-A5DB-E24AB1D76293}"/>
+                <a16:creationId xmlns="" xmlns:a16="http://schemas.microsoft.com/office/drawing/2014/main" id="{5D6A65DB-74D7-4BBD-A5DB-E24AB1D76293}"/>
               </a:ext>
             </a:extLst>
           </p:cNvPr>
@@ -2718,7 +2718,7 @@
           <p:cNvPr id="7" name="Slide Number Placeholder 6">
             <a:extLst>
               <a:ext uri="{FF2B5EF4-FFF2-40B4-BE49-F238E27FC236}">
-                <a16:creationId xmlns:a16="http://schemas.microsoft.com/office/drawing/2014/main" xmlns="" id="{202E1221-9084-484B-9E46-594F99C1CDF1}"/>
+                <a16:creationId xmlns="" xmlns:a16="http://schemas.microsoft.com/office/drawing/2014/main" id="{202E1221-9084-484B-9E46-594F99C1CDF1}"/>
               </a:ext>
             </a:extLst>
           </p:cNvPr>
@@ -2782,7 +2782,7 @@
           <p:cNvPr id="2" name="Title Placeholder 1">
             <a:extLst>
               <a:ext uri="{FF2B5EF4-FFF2-40B4-BE49-F238E27FC236}">
-                <a16:creationId xmlns:a16="http://schemas.microsoft.com/office/drawing/2014/main" xmlns="" id="{EC679223-F2A9-4032-9CF4-CAF7EC2387B4}"/>
+                <a16:creationId xmlns="" xmlns:a16="http://schemas.microsoft.com/office/drawing/2014/main" id="{EC679223-F2A9-4032-9CF4-CAF7EC2387B4}"/>
               </a:ext>
             </a:extLst>
           </p:cNvPr>
@@ -2821,7 +2821,7 @@
           <p:cNvPr id="3" name="Text Placeholder 2">
             <a:extLst>
               <a:ext uri="{FF2B5EF4-FFF2-40B4-BE49-F238E27FC236}">
-                <a16:creationId xmlns:a16="http://schemas.microsoft.com/office/drawing/2014/main" xmlns="" id="{6B99BB48-818F-4C08-B4FE-0F0D6F299529}"/>
+                <a16:creationId xmlns="" xmlns:a16="http://schemas.microsoft.com/office/drawing/2014/main" id="{6B99BB48-818F-4C08-B4FE-0F0D6F299529}"/>
               </a:ext>
             </a:extLst>
           </p:cNvPr>
@@ -2889,7 +2889,7 @@
           <p:cNvPr id="4" name="Date Placeholder 3">
             <a:extLst>
               <a:ext uri="{FF2B5EF4-FFF2-40B4-BE49-F238E27FC236}">
-                <a16:creationId xmlns:a16="http://schemas.microsoft.com/office/drawing/2014/main" xmlns="" id="{70287A33-4390-48C3-A32A-B6B2DC684005}"/>
+                <a16:creationId xmlns="" xmlns:a16="http://schemas.microsoft.com/office/drawing/2014/main" id="{70287A33-4390-48C3-A32A-B6B2DC684005}"/>
               </a:ext>
             </a:extLst>
           </p:cNvPr>
@@ -2936,7 +2936,7 @@
           <p:cNvPr id="5" name="Footer Placeholder 4">
             <a:extLst>
               <a:ext uri="{FF2B5EF4-FFF2-40B4-BE49-F238E27FC236}">
-                <a16:creationId xmlns:a16="http://schemas.microsoft.com/office/drawing/2014/main" xmlns="" id="{FEA1342E-48F2-4BD1-8A14-55884FA4E541}"/>
+                <a16:creationId xmlns="" xmlns:a16="http://schemas.microsoft.com/office/drawing/2014/main" id="{FEA1342E-48F2-4BD1-8A14-55884FA4E541}"/>
               </a:ext>
             </a:extLst>
           </p:cNvPr>
@@ -2979,7 +2979,7 @@
           <p:cNvPr id="6" name="Slide Number Placeholder 5">
             <a:extLst>
               <a:ext uri="{FF2B5EF4-FFF2-40B4-BE49-F238E27FC236}">
-                <a16:creationId xmlns:a16="http://schemas.microsoft.com/office/drawing/2014/main" xmlns="" id="{6952E28F-09C7-41BE-894D-1BB7E5CFC160}"/>
+                <a16:creationId xmlns="" xmlns:a16="http://schemas.microsoft.com/office/drawing/2014/main" id="{6952E28F-09C7-41BE-894D-1BB7E5CFC160}"/>
               </a:ext>
             </a:extLst>
           </p:cNvPr>
@@ -3347,7 +3347,7 @@
           <p:cNvPr id="5" name="Straight Connector 4">
             <a:extLst>
               <a:ext uri="{FF2B5EF4-FFF2-40B4-BE49-F238E27FC236}">
-                <a16:creationId xmlns:a16="http://schemas.microsoft.com/office/drawing/2014/main" xmlns="" id="{C7834697-8B0F-4436-9D07-955E893E913D}"/>
+                <a16:creationId xmlns="" xmlns:a16="http://schemas.microsoft.com/office/drawing/2014/main" id="{C7834697-8B0F-4436-9D07-955E893E913D}"/>
               </a:ext>
             </a:extLst>
           </p:cNvPr>
@@ -3388,7 +3388,7 @@
           <p:cNvPr id="6" name="TextBox 5">
             <a:extLst>
               <a:ext uri="{FF2B5EF4-FFF2-40B4-BE49-F238E27FC236}">
-                <a16:creationId xmlns:a16="http://schemas.microsoft.com/office/drawing/2014/main" xmlns="" id="{C7AEB5FA-5B47-48C4-8E25-6520FBFE3414}"/>
+                <a16:creationId xmlns="" xmlns:a16="http://schemas.microsoft.com/office/drawing/2014/main" id="{C7AEB5FA-5B47-48C4-8E25-6520FBFE3414}"/>
               </a:ext>
             </a:extLst>
           </p:cNvPr>
@@ -3427,7 +3427,7 @@
           <p:cNvPr id="7" name="Straight Connector 6">
             <a:extLst>
               <a:ext uri="{FF2B5EF4-FFF2-40B4-BE49-F238E27FC236}">
-                <a16:creationId xmlns:a16="http://schemas.microsoft.com/office/drawing/2014/main" xmlns="" id="{79A295EE-82EF-40D8-95E9-12112E684381}"/>
+                <a16:creationId xmlns="" xmlns:a16="http://schemas.microsoft.com/office/drawing/2014/main" id="{79A295EE-82EF-40D8-95E9-12112E684381}"/>
               </a:ext>
             </a:extLst>
           </p:cNvPr>
@@ -3468,7 +3468,7 @@
           <p:cNvPr id="8" name="Isosceles Triangle 7">
             <a:extLst>
               <a:ext uri="{FF2B5EF4-FFF2-40B4-BE49-F238E27FC236}">
-                <a16:creationId xmlns:a16="http://schemas.microsoft.com/office/drawing/2014/main" xmlns="" id="{8678D88C-2A6D-4271-BE23-4018C3765B3E}"/>
+                <a16:creationId xmlns="" xmlns:a16="http://schemas.microsoft.com/office/drawing/2014/main" id="{8678D88C-2A6D-4271-BE23-4018C3765B3E}"/>
               </a:ext>
             </a:extLst>
           </p:cNvPr>
@@ -3524,7 +3524,7 @@
           <p:cNvPr id="9" name="Straight Connector 8">
             <a:extLst>
               <a:ext uri="{FF2B5EF4-FFF2-40B4-BE49-F238E27FC236}">
-                <a16:creationId xmlns:a16="http://schemas.microsoft.com/office/drawing/2014/main" xmlns="" id="{33F46E6F-8E79-45FD-99E6-CC3C48AFE251}"/>
+                <a16:creationId xmlns="" xmlns:a16="http://schemas.microsoft.com/office/drawing/2014/main" id="{33F46E6F-8E79-45FD-99E6-CC3C48AFE251}"/>
               </a:ext>
             </a:extLst>
           </p:cNvPr>
@@ -3567,7 +3567,7 @@
           <p:cNvPr id="10" name="Isosceles Triangle 9">
             <a:extLst>
               <a:ext uri="{FF2B5EF4-FFF2-40B4-BE49-F238E27FC236}">
-                <a16:creationId xmlns:a16="http://schemas.microsoft.com/office/drawing/2014/main" xmlns="" id="{565E19A4-F283-4439-869E-DD73CB133F62}"/>
+                <a16:creationId xmlns="" xmlns:a16="http://schemas.microsoft.com/office/drawing/2014/main" id="{565E19A4-F283-4439-869E-DD73CB133F62}"/>
               </a:ext>
             </a:extLst>
           </p:cNvPr>
@@ -3623,7 +3623,7 @@
           <p:cNvPr id="11" name="Straight Connector 10">
             <a:extLst>
               <a:ext uri="{FF2B5EF4-FFF2-40B4-BE49-F238E27FC236}">
-                <a16:creationId xmlns:a16="http://schemas.microsoft.com/office/drawing/2014/main" xmlns="" id="{A643E447-A943-405D-86ED-F1A3D9DF77B1}"/>
+                <a16:creationId xmlns="" xmlns:a16="http://schemas.microsoft.com/office/drawing/2014/main" id="{A643E447-A943-405D-86ED-F1A3D9DF77B1}"/>
               </a:ext>
             </a:extLst>
           </p:cNvPr>
@@ -3666,7 +3666,7 @@
           <p:cNvPr id="12" name="Straight Connector 11">
             <a:extLst>
               <a:ext uri="{FF2B5EF4-FFF2-40B4-BE49-F238E27FC236}">
-                <a16:creationId xmlns:a16="http://schemas.microsoft.com/office/drawing/2014/main" xmlns="" id="{F0171F01-0208-4E1F-BBC8-1B299F364451}"/>
+                <a16:creationId xmlns="" xmlns:a16="http://schemas.microsoft.com/office/drawing/2014/main" id="{F0171F01-0208-4E1F-BBC8-1B299F364451}"/>
               </a:ext>
             </a:extLst>
           </p:cNvPr>
@@ -3709,7 +3709,7 @@
           <p:cNvPr id="13" name="Straight Connector 12">
             <a:extLst>
               <a:ext uri="{FF2B5EF4-FFF2-40B4-BE49-F238E27FC236}">
-                <a16:creationId xmlns:a16="http://schemas.microsoft.com/office/drawing/2014/main" xmlns="" id="{436AA98A-0D11-49DC-9D6B-376D16C74FA2}"/>
+                <a16:creationId xmlns="" xmlns:a16="http://schemas.microsoft.com/office/drawing/2014/main" id="{436AA98A-0D11-49DC-9D6B-376D16C74FA2}"/>
               </a:ext>
             </a:extLst>
           </p:cNvPr>
@@ -3752,7 +3752,7 @@
           <p:cNvPr id="14" name="Straight Connector 13">
             <a:extLst>
               <a:ext uri="{FF2B5EF4-FFF2-40B4-BE49-F238E27FC236}">
-                <a16:creationId xmlns:a16="http://schemas.microsoft.com/office/drawing/2014/main" xmlns="" id="{69A859E7-A7FF-45B4-90D7-E82C7ECCA188}"/>
+                <a16:creationId xmlns="" xmlns:a16="http://schemas.microsoft.com/office/drawing/2014/main" id="{69A859E7-A7FF-45B4-90D7-E82C7ECCA188}"/>
               </a:ext>
             </a:extLst>
           </p:cNvPr>
@@ -3795,7 +3795,7 @@
           <p:cNvPr id="15" name="Straight Connector 14">
             <a:extLst>
               <a:ext uri="{FF2B5EF4-FFF2-40B4-BE49-F238E27FC236}">
-                <a16:creationId xmlns:a16="http://schemas.microsoft.com/office/drawing/2014/main" xmlns="" id="{85CC8A7B-E620-4455-A920-6418049D8F05}"/>
+                <a16:creationId xmlns="" xmlns:a16="http://schemas.microsoft.com/office/drawing/2014/main" id="{85CC8A7B-E620-4455-A920-6418049D8F05}"/>
               </a:ext>
             </a:extLst>
           </p:cNvPr>
@@ -3836,7 +3836,7 @@
           <p:cNvPr id="16" name="Straight Connector 15">
             <a:extLst>
               <a:ext uri="{FF2B5EF4-FFF2-40B4-BE49-F238E27FC236}">
-                <a16:creationId xmlns:a16="http://schemas.microsoft.com/office/drawing/2014/main" xmlns="" id="{7CFBD651-16B3-4298-B965-2E02808CB974}"/>
+                <a16:creationId xmlns="" xmlns:a16="http://schemas.microsoft.com/office/drawing/2014/main" id="{7CFBD651-16B3-4298-B965-2E02808CB974}"/>
               </a:ext>
             </a:extLst>
           </p:cNvPr>
@@ -3877,7 +3877,7 @@
           <p:cNvPr id="17" name="TextBox 16">
             <a:extLst>
               <a:ext uri="{FF2B5EF4-FFF2-40B4-BE49-F238E27FC236}">
-                <a16:creationId xmlns:a16="http://schemas.microsoft.com/office/drawing/2014/main" xmlns="" id="{28418AC8-2D45-4CD0-A4A3-5FB9E2D8CF1C}"/>
+                <a16:creationId xmlns="" xmlns:a16="http://schemas.microsoft.com/office/drawing/2014/main" id="{28418AC8-2D45-4CD0-A4A3-5FB9E2D8CF1C}"/>
               </a:ext>
             </a:extLst>
           </p:cNvPr>
@@ -3912,7 +3912,7 @@
           <p:cNvPr id="18" name="TextBox 17">
             <a:extLst>
               <a:ext uri="{FF2B5EF4-FFF2-40B4-BE49-F238E27FC236}">
-                <a16:creationId xmlns:a16="http://schemas.microsoft.com/office/drawing/2014/main" xmlns="" id="{2CA7FDFC-099A-4219-98DC-A94180E03C52}"/>
+                <a16:creationId xmlns="" xmlns:a16="http://schemas.microsoft.com/office/drawing/2014/main" id="{2CA7FDFC-099A-4219-98DC-A94180E03C52}"/>
               </a:ext>
             </a:extLst>
           </p:cNvPr>
@@ -3947,7 +3947,7 @@
           <p:cNvPr id="19" name="TextBox 18">
             <a:extLst>
               <a:ext uri="{FF2B5EF4-FFF2-40B4-BE49-F238E27FC236}">
-                <a16:creationId xmlns:a16="http://schemas.microsoft.com/office/drawing/2014/main" xmlns="" id="{052436E7-DCC2-442C-9C92-FC69EB59115A}"/>
+                <a16:creationId xmlns="" xmlns:a16="http://schemas.microsoft.com/office/drawing/2014/main" id="{052436E7-DCC2-442C-9C92-FC69EB59115A}"/>
               </a:ext>
             </a:extLst>
           </p:cNvPr>
@@ -3982,7 +3982,7 @@
           <p:cNvPr id="36" name="TextBox 35">
             <a:extLst>
               <a:ext uri="{FF2B5EF4-FFF2-40B4-BE49-F238E27FC236}">
-                <a16:creationId xmlns:a16="http://schemas.microsoft.com/office/drawing/2014/main" xmlns="" id="{0856E671-079D-416B-A7FD-69709074AE5B}"/>
+                <a16:creationId xmlns="" xmlns:a16="http://schemas.microsoft.com/office/drawing/2014/main" id="{0856E671-079D-416B-A7FD-69709074AE5B}"/>
               </a:ext>
             </a:extLst>
           </p:cNvPr>
@@ -4017,7 +4017,7 @@
           <p:cNvPr id="38" name="TextBox 37">
             <a:extLst>
               <a:ext uri="{FF2B5EF4-FFF2-40B4-BE49-F238E27FC236}">
-                <a16:creationId xmlns:a16="http://schemas.microsoft.com/office/drawing/2014/main" xmlns="" id="{1E323F53-97EE-4B07-A987-9E425FACDBC2}"/>
+                <a16:creationId xmlns="" xmlns:a16="http://schemas.microsoft.com/office/drawing/2014/main" id="{1E323F53-97EE-4B07-A987-9E425FACDBC2}"/>
               </a:ext>
             </a:extLst>
           </p:cNvPr>
@@ -4052,7 +4052,7 @@
           <p:cNvPr id="39" name="TextBox 38">
             <a:extLst>
               <a:ext uri="{FF2B5EF4-FFF2-40B4-BE49-F238E27FC236}">
-                <a16:creationId xmlns:a16="http://schemas.microsoft.com/office/drawing/2014/main" xmlns="" id="{C8AA9042-8379-4437-9455-D69FD4C30EF4}"/>
+                <a16:creationId xmlns="" xmlns:a16="http://schemas.microsoft.com/office/drawing/2014/main" id="{C8AA9042-8379-4437-9455-D69FD4C30EF4}"/>
               </a:ext>
             </a:extLst>
           </p:cNvPr>
@@ -4087,7 +4087,7 @@
           <p:cNvPr id="40" name="TextBox 39">
             <a:extLst>
               <a:ext uri="{FF2B5EF4-FFF2-40B4-BE49-F238E27FC236}">
-                <a16:creationId xmlns:a16="http://schemas.microsoft.com/office/drawing/2014/main" xmlns="" id="{5B418453-A54B-4461-9666-F374718CE288}"/>
+                <a16:creationId xmlns="" xmlns:a16="http://schemas.microsoft.com/office/drawing/2014/main" id="{5B418453-A54B-4461-9666-F374718CE288}"/>
               </a:ext>
             </a:extLst>
           </p:cNvPr>
@@ -4122,7 +4122,7 @@
           <p:cNvPr id="41" name="TextBox 40">
             <a:extLst>
               <a:ext uri="{FF2B5EF4-FFF2-40B4-BE49-F238E27FC236}">
-                <a16:creationId xmlns:a16="http://schemas.microsoft.com/office/drawing/2014/main" xmlns="" id="{FBAFB678-FFBD-471C-869D-FE5EEFB0AE9B}"/>
+                <a16:creationId xmlns="" xmlns:a16="http://schemas.microsoft.com/office/drawing/2014/main" id="{FBAFB678-FFBD-471C-869D-FE5EEFB0AE9B}"/>
               </a:ext>
             </a:extLst>
           </p:cNvPr>
@@ -4157,7 +4157,7 @@
           <p:cNvPr id="42" name="TextBox 41">
             <a:extLst>
               <a:ext uri="{FF2B5EF4-FFF2-40B4-BE49-F238E27FC236}">
-                <a16:creationId xmlns:a16="http://schemas.microsoft.com/office/drawing/2014/main" xmlns="" id="{1E3873EC-E963-4992-9E04-E1A0AF77CFC6}"/>
+                <a16:creationId xmlns="" xmlns:a16="http://schemas.microsoft.com/office/drawing/2014/main" id="{1E3873EC-E963-4992-9E04-E1A0AF77CFC6}"/>
               </a:ext>
             </a:extLst>
           </p:cNvPr>
@@ -4192,7 +4192,7 @@
           <p:cNvPr id="43" name="TextBox 42">
             <a:extLst>
               <a:ext uri="{FF2B5EF4-FFF2-40B4-BE49-F238E27FC236}">
-                <a16:creationId xmlns:a16="http://schemas.microsoft.com/office/drawing/2014/main" xmlns="" id="{D5C0F9AE-6326-4769-8A60-F10B48C20CAF}"/>
+                <a16:creationId xmlns="" xmlns:a16="http://schemas.microsoft.com/office/drawing/2014/main" id="{D5C0F9AE-6326-4769-8A60-F10B48C20CAF}"/>
               </a:ext>
             </a:extLst>
           </p:cNvPr>
@@ -4227,7 +4227,7 @@
           <p:cNvPr id="44" name="TextBox 43">
             <a:extLst>
               <a:ext uri="{FF2B5EF4-FFF2-40B4-BE49-F238E27FC236}">
-                <a16:creationId xmlns:a16="http://schemas.microsoft.com/office/drawing/2014/main" xmlns="" id="{A9D45833-616B-481E-A2E7-7360CB4193F9}"/>
+                <a16:creationId xmlns="" xmlns:a16="http://schemas.microsoft.com/office/drawing/2014/main" id="{A9D45833-616B-481E-A2E7-7360CB4193F9}"/>
               </a:ext>
             </a:extLst>
           </p:cNvPr>
@@ -4266,7 +4266,7 @@
           <p:cNvPr id="45" name="Straight Connector 44">
             <a:extLst>
               <a:ext uri="{FF2B5EF4-FFF2-40B4-BE49-F238E27FC236}">
-                <a16:creationId xmlns:a16="http://schemas.microsoft.com/office/drawing/2014/main" xmlns="" id="{24E4485F-9FBF-48C3-8208-CDC0D7EA89AE}"/>
+                <a16:creationId xmlns="" xmlns:a16="http://schemas.microsoft.com/office/drawing/2014/main" id="{24E4485F-9FBF-48C3-8208-CDC0D7EA89AE}"/>
               </a:ext>
             </a:extLst>
           </p:cNvPr>
@@ -4309,7 +4309,7 @@
           <p:cNvPr id="50" name="TextBox 49">
             <a:extLst>
               <a:ext uri="{FF2B5EF4-FFF2-40B4-BE49-F238E27FC236}">
-                <a16:creationId xmlns:a16="http://schemas.microsoft.com/office/drawing/2014/main" xmlns="" id="{D2EF401A-FBAA-4B52-801C-1A17267CADF0}"/>
+                <a16:creationId xmlns="" xmlns:a16="http://schemas.microsoft.com/office/drawing/2014/main" id="{D2EF401A-FBAA-4B52-801C-1A17267CADF0}"/>
               </a:ext>
             </a:extLst>
           </p:cNvPr>
@@ -4344,7 +4344,7 @@
           <p:cNvPr id="21" name="Straight Connector 20">
             <a:extLst>
               <a:ext uri="{FF2B5EF4-FFF2-40B4-BE49-F238E27FC236}">
-                <a16:creationId xmlns:a16="http://schemas.microsoft.com/office/drawing/2014/main" xmlns="" id="{411944CA-548D-4902-AA34-242920CB26B8}"/>
+                <a16:creationId xmlns="" xmlns:a16="http://schemas.microsoft.com/office/drawing/2014/main" id="{411944CA-548D-4902-AA34-242920CB26B8}"/>
               </a:ext>
             </a:extLst>
           </p:cNvPr>
@@ -4385,7 +4385,7 @@
           <p:cNvPr id="22" name="TextBox 21">
             <a:extLst>
               <a:ext uri="{FF2B5EF4-FFF2-40B4-BE49-F238E27FC236}">
-                <a16:creationId xmlns:a16="http://schemas.microsoft.com/office/drawing/2014/main" xmlns="" id="{A7F6E13C-3F40-4BF5-B3D6-94E833781B71}"/>
+                <a16:creationId xmlns="" xmlns:a16="http://schemas.microsoft.com/office/drawing/2014/main" id="{A7F6E13C-3F40-4BF5-B3D6-94E833781B71}"/>
               </a:ext>
             </a:extLst>
           </p:cNvPr>
@@ -4424,7 +4424,7 @@
           <p:cNvPr id="23" name="Straight Connector 22">
             <a:extLst>
               <a:ext uri="{FF2B5EF4-FFF2-40B4-BE49-F238E27FC236}">
-                <a16:creationId xmlns:a16="http://schemas.microsoft.com/office/drawing/2014/main" xmlns="" id="{9CAADAD8-BFB4-4967-9E79-122C7FF6EAD4}"/>
+                <a16:creationId xmlns="" xmlns:a16="http://schemas.microsoft.com/office/drawing/2014/main" id="{9CAADAD8-BFB4-4967-9E79-122C7FF6EAD4}"/>
               </a:ext>
             </a:extLst>
           </p:cNvPr>
@@ -4465,7 +4465,7 @@
           <p:cNvPr id="24" name="Isosceles Triangle 23">
             <a:extLst>
               <a:ext uri="{FF2B5EF4-FFF2-40B4-BE49-F238E27FC236}">
-                <a16:creationId xmlns:a16="http://schemas.microsoft.com/office/drawing/2014/main" xmlns="" id="{B582FFB0-F202-4ACD-87EE-CADABD4638B6}"/>
+                <a16:creationId xmlns="" xmlns:a16="http://schemas.microsoft.com/office/drawing/2014/main" id="{B582FFB0-F202-4ACD-87EE-CADABD4638B6}"/>
               </a:ext>
             </a:extLst>
           </p:cNvPr>
@@ -4521,7 +4521,7 @@
           <p:cNvPr id="25" name="Straight Connector 24">
             <a:extLst>
               <a:ext uri="{FF2B5EF4-FFF2-40B4-BE49-F238E27FC236}">
-                <a16:creationId xmlns:a16="http://schemas.microsoft.com/office/drawing/2014/main" xmlns="" id="{260C190C-2075-44CE-BFB4-89D85F21F30B}"/>
+                <a16:creationId xmlns="" xmlns:a16="http://schemas.microsoft.com/office/drawing/2014/main" id="{260C190C-2075-44CE-BFB4-89D85F21F30B}"/>
               </a:ext>
             </a:extLst>
           </p:cNvPr>
@@ -4564,7 +4564,7 @@
           <p:cNvPr id="26" name="Isosceles Triangle 25">
             <a:extLst>
               <a:ext uri="{FF2B5EF4-FFF2-40B4-BE49-F238E27FC236}">
-                <a16:creationId xmlns:a16="http://schemas.microsoft.com/office/drawing/2014/main" xmlns="" id="{D4BA007F-64D0-4387-ABA1-29A19C748CA3}"/>
+                <a16:creationId xmlns="" xmlns:a16="http://schemas.microsoft.com/office/drawing/2014/main" id="{D4BA007F-64D0-4387-ABA1-29A19C748CA3}"/>
               </a:ext>
             </a:extLst>
           </p:cNvPr>
@@ -4620,7 +4620,7 @@
           <p:cNvPr id="27" name="Straight Connector 26">
             <a:extLst>
               <a:ext uri="{FF2B5EF4-FFF2-40B4-BE49-F238E27FC236}">
-                <a16:creationId xmlns:a16="http://schemas.microsoft.com/office/drawing/2014/main" xmlns="" id="{2F241F1F-9254-47A9-9474-022243C914EA}"/>
+                <a16:creationId xmlns="" xmlns:a16="http://schemas.microsoft.com/office/drawing/2014/main" id="{2F241F1F-9254-47A9-9474-022243C914EA}"/>
               </a:ext>
             </a:extLst>
           </p:cNvPr>
@@ -4663,7 +4663,7 @@
           <p:cNvPr id="28" name="Straight Connector 27">
             <a:extLst>
               <a:ext uri="{FF2B5EF4-FFF2-40B4-BE49-F238E27FC236}">
-                <a16:creationId xmlns:a16="http://schemas.microsoft.com/office/drawing/2014/main" xmlns="" id="{EC5BE64B-E82D-46A5-8D1B-6671FF2B6ECD}"/>
+                <a16:creationId xmlns="" xmlns:a16="http://schemas.microsoft.com/office/drawing/2014/main" id="{EC5BE64B-E82D-46A5-8D1B-6671FF2B6ECD}"/>
               </a:ext>
             </a:extLst>
           </p:cNvPr>
@@ -4706,7 +4706,7 @@
           <p:cNvPr id="29" name="Straight Connector 28">
             <a:extLst>
               <a:ext uri="{FF2B5EF4-FFF2-40B4-BE49-F238E27FC236}">
-                <a16:creationId xmlns:a16="http://schemas.microsoft.com/office/drawing/2014/main" xmlns="" id="{CA2E3C90-88CF-407C-B165-0D4731069F8B}"/>
+                <a16:creationId xmlns="" xmlns:a16="http://schemas.microsoft.com/office/drawing/2014/main" id="{CA2E3C90-88CF-407C-B165-0D4731069F8B}"/>
               </a:ext>
             </a:extLst>
           </p:cNvPr>
@@ -4749,7 +4749,7 @@
           <p:cNvPr id="30" name="Straight Connector 29">
             <a:extLst>
               <a:ext uri="{FF2B5EF4-FFF2-40B4-BE49-F238E27FC236}">
-                <a16:creationId xmlns:a16="http://schemas.microsoft.com/office/drawing/2014/main" xmlns="" id="{89E89BBB-065D-4BD2-AB3B-12E00655A334}"/>
+                <a16:creationId xmlns="" xmlns:a16="http://schemas.microsoft.com/office/drawing/2014/main" id="{89E89BBB-065D-4BD2-AB3B-12E00655A334}"/>
               </a:ext>
             </a:extLst>
           </p:cNvPr>
@@ -4793,7 +4793,7 @@
           <p:cNvPr id="31" name="Straight Connector 30">
             <a:extLst>
               <a:ext uri="{FF2B5EF4-FFF2-40B4-BE49-F238E27FC236}">
-                <a16:creationId xmlns:a16="http://schemas.microsoft.com/office/drawing/2014/main" xmlns="" id="{4FBBAB11-6043-4126-A0B5-9E984D176DDC}"/>
+                <a16:creationId xmlns="" xmlns:a16="http://schemas.microsoft.com/office/drawing/2014/main" id="{4FBBAB11-6043-4126-A0B5-9E984D176DDC}"/>
               </a:ext>
             </a:extLst>
           </p:cNvPr>
@@ -4834,7 +4834,7 @@
           <p:cNvPr id="32" name="Straight Connector 31">
             <a:extLst>
               <a:ext uri="{FF2B5EF4-FFF2-40B4-BE49-F238E27FC236}">
-                <a16:creationId xmlns:a16="http://schemas.microsoft.com/office/drawing/2014/main" xmlns="" id="{E91E243A-65C3-4CD9-9E4A-C8FAF1F6FE7C}"/>
+                <a16:creationId xmlns="" xmlns:a16="http://schemas.microsoft.com/office/drawing/2014/main" id="{E91E243A-65C3-4CD9-9E4A-C8FAF1F6FE7C}"/>
               </a:ext>
             </a:extLst>
           </p:cNvPr>
@@ -4875,7 +4875,7 @@
           <p:cNvPr id="33" name="TextBox 32">
             <a:extLst>
               <a:ext uri="{FF2B5EF4-FFF2-40B4-BE49-F238E27FC236}">
-                <a16:creationId xmlns:a16="http://schemas.microsoft.com/office/drawing/2014/main" xmlns="" id="{7C005275-78EC-42AD-BBDB-4F1C5534B3D0}"/>
+                <a16:creationId xmlns="" xmlns:a16="http://schemas.microsoft.com/office/drawing/2014/main" id="{7C005275-78EC-42AD-BBDB-4F1C5534B3D0}"/>
               </a:ext>
             </a:extLst>
           </p:cNvPr>
@@ -4910,7 +4910,7 @@
           <p:cNvPr id="34" name="TextBox 33">
             <a:extLst>
               <a:ext uri="{FF2B5EF4-FFF2-40B4-BE49-F238E27FC236}">
-                <a16:creationId xmlns:a16="http://schemas.microsoft.com/office/drawing/2014/main" xmlns="" id="{AC2E9F9A-4C62-48D8-A6E3-A36AE63C0F2F}"/>
+                <a16:creationId xmlns="" xmlns:a16="http://schemas.microsoft.com/office/drawing/2014/main" id="{AC2E9F9A-4C62-48D8-A6E3-A36AE63C0F2F}"/>
               </a:ext>
             </a:extLst>
           </p:cNvPr>
@@ -4945,7 +4945,7 @@
           <p:cNvPr id="35" name="TextBox 34">
             <a:extLst>
               <a:ext uri="{FF2B5EF4-FFF2-40B4-BE49-F238E27FC236}">
-                <a16:creationId xmlns:a16="http://schemas.microsoft.com/office/drawing/2014/main" xmlns="" id="{0BD680A5-3A9F-4E05-ACC7-E34CF63BD7B1}"/>
+                <a16:creationId xmlns="" xmlns:a16="http://schemas.microsoft.com/office/drawing/2014/main" id="{0BD680A5-3A9F-4E05-ACC7-E34CF63BD7B1}"/>
               </a:ext>
             </a:extLst>
           </p:cNvPr>
@@ -4980,7 +4980,7 @@
           <p:cNvPr id="37" name="TextBox 36">
             <a:extLst>
               <a:ext uri="{FF2B5EF4-FFF2-40B4-BE49-F238E27FC236}">
-                <a16:creationId xmlns:a16="http://schemas.microsoft.com/office/drawing/2014/main" xmlns="" id="{68F34BE4-277C-48BF-8C74-016919844031}"/>
+                <a16:creationId xmlns="" xmlns:a16="http://schemas.microsoft.com/office/drawing/2014/main" id="{68F34BE4-277C-48BF-8C74-016919844031}"/>
               </a:ext>
             </a:extLst>
           </p:cNvPr>
@@ -5015,7 +5015,7 @@
           <p:cNvPr id="46" name="Straight Connector 45">
             <a:extLst>
               <a:ext uri="{FF2B5EF4-FFF2-40B4-BE49-F238E27FC236}">
-                <a16:creationId xmlns:a16="http://schemas.microsoft.com/office/drawing/2014/main" xmlns="" id="{8ECE683D-B3D1-4748-83C9-83F7872B270C}"/>
+                <a16:creationId xmlns="" xmlns:a16="http://schemas.microsoft.com/office/drawing/2014/main" id="{8ECE683D-B3D1-4748-83C9-83F7872B270C}"/>
               </a:ext>
             </a:extLst>
           </p:cNvPr>
@@ -5058,7 +5058,7 @@
           <p:cNvPr id="47" name="TextBox 46">
             <a:extLst>
               <a:ext uri="{FF2B5EF4-FFF2-40B4-BE49-F238E27FC236}">
-                <a16:creationId xmlns:a16="http://schemas.microsoft.com/office/drawing/2014/main" xmlns="" id="{ABDC0469-5FF8-4EED-A756-DA97E35049B5}"/>
+                <a16:creationId xmlns="" xmlns:a16="http://schemas.microsoft.com/office/drawing/2014/main" id="{ABDC0469-5FF8-4EED-A756-DA97E35049B5}"/>
               </a:ext>
             </a:extLst>
           </p:cNvPr>
@@ -5093,7 +5093,7 @@
           <p:cNvPr id="48" name="TextBox 47">
             <a:extLst>
               <a:ext uri="{FF2B5EF4-FFF2-40B4-BE49-F238E27FC236}">
-                <a16:creationId xmlns:a16="http://schemas.microsoft.com/office/drawing/2014/main" xmlns="" id="{1EDAA539-9C3A-40CC-9017-A7842D169126}"/>
+                <a16:creationId xmlns="" xmlns:a16="http://schemas.microsoft.com/office/drawing/2014/main" id="{1EDAA539-9C3A-40CC-9017-A7842D169126}"/>
               </a:ext>
             </a:extLst>
           </p:cNvPr>
@@ -5128,7 +5128,7 @@
           <p:cNvPr id="49" name="TextBox 48">
             <a:extLst>
               <a:ext uri="{FF2B5EF4-FFF2-40B4-BE49-F238E27FC236}">
-                <a16:creationId xmlns:a16="http://schemas.microsoft.com/office/drawing/2014/main" xmlns="" id="{7FBEDA7B-E278-4541-B107-7A426411C67D}"/>
+                <a16:creationId xmlns="" xmlns:a16="http://schemas.microsoft.com/office/drawing/2014/main" id="{7FBEDA7B-E278-4541-B107-7A426411C67D}"/>
               </a:ext>
             </a:extLst>
           </p:cNvPr>
@@ -5163,7 +5163,7 @@
           <p:cNvPr id="51" name="TextBox 50">
             <a:extLst>
               <a:ext uri="{FF2B5EF4-FFF2-40B4-BE49-F238E27FC236}">
-                <a16:creationId xmlns:a16="http://schemas.microsoft.com/office/drawing/2014/main" xmlns="" id="{5BB4CA37-2C9B-473D-90F0-1C9696C20CE9}"/>
+                <a16:creationId xmlns="" xmlns:a16="http://schemas.microsoft.com/office/drawing/2014/main" id="{5BB4CA37-2C9B-473D-90F0-1C9696C20CE9}"/>
               </a:ext>
             </a:extLst>
           </p:cNvPr>
@@ -5198,7 +5198,7 @@
           <p:cNvPr id="52" name="TextBox 51">
             <a:extLst>
               <a:ext uri="{FF2B5EF4-FFF2-40B4-BE49-F238E27FC236}">
-                <a16:creationId xmlns:a16="http://schemas.microsoft.com/office/drawing/2014/main" xmlns="" id="{B12F51A3-7D31-428F-8EDB-6574553240D1}"/>
+                <a16:creationId xmlns="" xmlns:a16="http://schemas.microsoft.com/office/drawing/2014/main" id="{B12F51A3-7D31-428F-8EDB-6574553240D1}"/>
               </a:ext>
             </a:extLst>
           </p:cNvPr>
@@ -5233,7 +5233,7 @@
           <p:cNvPr id="53" name="TextBox 52">
             <a:extLst>
               <a:ext uri="{FF2B5EF4-FFF2-40B4-BE49-F238E27FC236}">
-                <a16:creationId xmlns:a16="http://schemas.microsoft.com/office/drawing/2014/main" xmlns="" id="{10F9B6EE-6F51-4D4B-82A4-63BE701D563B}"/>
+                <a16:creationId xmlns="" xmlns:a16="http://schemas.microsoft.com/office/drawing/2014/main" id="{10F9B6EE-6F51-4D4B-82A4-63BE701D563B}"/>
               </a:ext>
             </a:extLst>
           </p:cNvPr>
@@ -5258,12 +5258,16 @@
           <a:p>
             <a:pPr algn="ctr"/>
             <a:r>
-              <a:rPr lang="el-GR" dirty="0"/>
-              <a:t>Β</a:t>
+              <a:rPr lang="el-GR" smtClean="0"/>
+              <a:t>β</a:t>
+            </a:r>
+            <a:r>
+              <a:rPr lang="en-US" smtClean="0"/>
+              <a:t>(</a:t>
             </a:r>
             <a:r>
               <a:rPr lang="en-US" dirty="0"/>
-              <a:t>(1-4’) </a:t>
+              <a:t>1-4’) </a:t>
             </a:r>
             <a:r>
               <a:rPr lang="en-US" dirty="0" err="1"/>
@@ -5286,7 +5290,7 @@
           <p:cNvPr id="54" name="Straight Arrow Connector 53">
             <a:extLst>
               <a:ext uri="{FF2B5EF4-FFF2-40B4-BE49-F238E27FC236}">
-                <a16:creationId xmlns:a16="http://schemas.microsoft.com/office/drawing/2014/main" xmlns="" id="{2874432E-3A75-4C69-971E-78DCA2B5961A}"/>
+                <a16:creationId xmlns="" xmlns:a16="http://schemas.microsoft.com/office/drawing/2014/main" id="{2874432E-3A75-4C69-971E-78DCA2B5961A}"/>
               </a:ext>
             </a:extLst>
           </p:cNvPr>
@@ -5330,7 +5334,7 @@
           <p:cNvPr id="60" name="TextBox 59">
             <a:extLst>
               <a:ext uri="{FF2B5EF4-FFF2-40B4-BE49-F238E27FC236}">
-                <a16:creationId xmlns:a16="http://schemas.microsoft.com/office/drawing/2014/main" xmlns="" id="{490E7664-B324-4591-9178-EFAD1D27B137}"/>
+                <a16:creationId xmlns="" xmlns:a16="http://schemas.microsoft.com/office/drawing/2014/main" id="{490E7664-B324-4591-9178-EFAD1D27B137}"/>
               </a:ext>
             </a:extLst>
           </p:cNvPr>
@@ -5695,7 +5699,7 @@
   <a:extraClrSchemeLst/>
   <a:extLst>
     <a:ext uri="{05A4C25C-085E-4340-85A3-A5531E510DB2}">
-      <thm15:themeFamily xmlns:thm15="http://schemas.microsoft.com/office/thememl/2012/main" xmlns="" name="Office Theme" id="{62F939B6-93AF-4DB8-9C6B-D6C7DFDC589F}" vid="{4A3C46E8-61CC-4603-A589-7422A47A8E4A}"/>
+      <thm15:themeFamily xmlns="" xmlns:thm15="http://schemas.microsoft.com/office/thememl/2012/main" name="Office Theme" id="{62F939B6-93AF-4DB8-9C6B-D6C7DFDC589F}" vid="{4A3C46E8-61CC-4603-A589-7422A47A8E4A}"/>
     </a:ext>
   </a:extLst>
 </a:theme>
